--- a/Digital Scene Matching Area Correlator(DSMAC)_Madhurima De.pptx
+++ b/Digital Scene Matching Area Correlator(DSMAC)_Madhurima De.pptx
@@ -5,18 +5,20 @@
     <p:sldMasterId id="2147483720" r:id="rId1"/>
   </p:sldMasterIdLst>
   <p:notesMasterIdLst>
-    <p:notesMasterId r:id="rId11"/>
+    <p:notesMasterId r:id="rId13"/>
   </p:notesMasterIdLst>
   <p:sldIdLst>
     <p:sldId id="256" r:id="rId2"/>
-    <p:sldId id="258" r:id="rId3"/>
-    <p:sldId id="259" r:id="rId4"/>
-    <p:sldId id="260" r:id="rId5"/>
-    <p:sldId id="266" r:id="rId6"/>
-    <p:sldId id="265" r:id="rId7"/>
-    <p:sldId id="268" r:id="rId8"/>
-    <p:sldId id="267" r:id="rId9"/>
-    <p:sldId id="264" r:id="rId10"/>
+    <p:sldId id="269" r:id="rId3"/>
+    <p:sldId id="258" r:id="rId4"/>
+    <p:sldId id="259" r:id="rId5"/>
+    <p:sldId id="270" r:id="rId6"/>
+    <p:sldId id="260" r:id="rId7"/>
+    <p:sldId id="266" r:id="rId8"/>
+    <p:sldId id="265" r:id="rId9"/>
+    <p:sldId id="268" r:id="rId10"/>
+    <p:sldId id="267" r:id="rId11"/>
+    <p:sldId id="264" r:id="rId12"/>
   </p:sldIdLst>
   <p:sldSz cx="12192000" cy="6858000"/>
   <p:notesSz cx="6858000" cy="9144000"/>
@@ -205,7 +207,7 @@
           <a:p>
             <a:fld id="{07C2E1A9-EF47-4AFB-BDF4-F0777543BDC7}" type="datetimeFigureOut">
               <a:rPr lang="en-IN" smtClean="0"/>
-              <a:t>18-08-2025</a:t>
+              <a:t>20-08-2025</a:t>
             </a:fld>
             <a:endParaRPr lang="en-IN"/>
           </a:p>
@@ -538,7 +540,7 @@
           <a:p>
             <a:fld id="{81E51613-A3CF-4948-9B16-09709DCDA4CA}" type="slidenum">
               <a:rPr lang="en-IN" smtClean="0"/>
-              <a:t>2</a:t>
+              <a:t>3</a:t>
             </a:fld>
             <a:endParaRPr lang="en-IN"/>
           </a:p>
@@ -706,7 +708,7 @@
           <a:p>
             <a:fld id="{E0E7F85F-65C1-4FC9-B233-DAE9CD6E87E3}" type="datetimeFigureOut">
               <a:rPr lang="en-IN" smtClean="0"/>
-              <a:t>18-08-2025</a:t>
+              <a:t>20-08-2025</a:t>
             </a:fld>
             <a:endParaRPr lang="en-IN"/>
           </a:p>
@@ -906,7 +908,7 @@
           <a:p>
             <a:fld id="{E0E7F85F-65C1-4FC9-B233-DAE9CD6E87E3}" type="datetimeFigureOut">
               <a:rPr lang="en-IN" smtClean="0"/>
-              <a:t>18-08-2025</a:t>
+              <a:t>20-08-2025</a:t>
             </a:fld>
             <a:endParaRPr lang="en-IN"/>
           </a:p>
@@ -1116,7 +1118,7 @@
           <a:p>
             <a:fld id="{E0E7F85F-65C1-4FC9-B233-DAE9CD6E87E3}" type="datetimeFigureOut">
               <a:rPr lang="en-IN" smtClean="0"/>
-              <a:t>18-08-2025</a:t>
+              <a:t>20-08-2025</a:t>
             </a:fld>
             <a:endParaRPr lang="en-IN"/>
           </a:p>
@@ -1316,7 +1318,7 @@
           <a:p>
             <a:fld id="{E0E7F85F-65C1-4FC9-B233-DAE9CD6E87E3}" type="datetimeFigureOut">
               <a:rPr lang="en-IN" smtClean="0"/>
-              <a:t>18-08-2025</a:t>
+              <a:t>20-08-2025</a:t>
             </a:fld>
             <a:endParaRPr lang="en-IN"/>
           </a:p>
@@ -1592,7 +1594,7 @@
           <a:p>
             <a:fld id="{E0E7F85F-65C1-4FC9-B233-DAE9CD6E87E3}" type="datetimeFigureOut">
               <a:rPr lang="en-IN" smtClean="0"/>
-              <a:t>18-08-2025</a:t>
+              <a:t>20-08-2025</a:t>
             </a:fld>
             <a:endParaRPr lang="en-IN"/>
           </a:p>
@@ -1860,7 +1862,7 @@
           <a:p>
             <a:fld id="{E0E7F85F-65C1-4FC9-B233-DAE9CD6E87E3}" type="datetimeFigureOut">
               <a:rPr lang="en-IN" smtClean="0"/>
-              <a:t>18-08-2025</a:t>
+              <a:t>20-08-2025</a:t>
             </a:fld>
             <a:endParaRPr lang="en-IN"/>
           </a:p>
@@ -2275,7 +2277,7 @@
           <a:p>
             <a:fld id="{E0E7F85F-65C1-4FC9-B233-DAE9CD6E87E3}" type="datetimeFigureOut">
               <a:rPr lang="en-IN" smtClean="0"/>
-              <a:t>18-08-2025</a:t>
+              <a:t>20-08-2025</a:t>
             </a:fld>
             <a:endParaRPr lang="en-IN"/>
           </a:p>
@@ -2417,7 +2419,7 @@
           <a:p>
             <a:fld id="{E0E7F85F-65C1-4FC9-B233-DAE9CD6E87E3}" type="datetimeFigureOut">
               <a:rPr lang="en-IN" smtClean="0"/>
-              <a:t>18-08-2025</a:t>
+              <a:t>20-08-2025</a:t>
             </a:fld>
             <a:endParaRPr lang="en-IN"/>
           </a:p>
@@ -2530,7 +2532,7 @@
           <a:p>
             <a:fld id="{E0E7F85F-65C1-4FC9-B233-DAE9CD6E87E3}" type="datetimeFigureOut">
               <a:rPr lang="en-IN" smtClean="0"/>
-              <a:t>18-08-2025</a:t>
+              <a:t>20-08-2025</a:t>
             </a:fld>
             <a:endParaRPr lang="en-IN"/>
           </a:p>
@@ -2843,7 +2845,7 @@
           <a:p>
             <a:fld id="{E0E7F85F-65C1-4FC9-B233-DAE9CD6E87E3}" type="datetimeFigureOut">
               <a:rPr lang="en-IN" smtClean="0"/>
-              <a:t>18-08-2025</a:t>
+              <a:t>20-08-2025</a:t>
             </a:fld>
             <a:endParaRPr lang="en-IN"/>
           </a:p>
@@ -3132,7 +3134,7 @@
           <a:p>
             <a:fld id="{E0E7F85F-65C1-4FC9-B233-DAE9CD6E87E3}" type="datetimeFigureOut">
               <a:rPr lang="en-IN" smtClean="0"/>
-              <a:t>18-08-2025</a:t>
+              <a:t>20-08-2025</a:t>
             </a:fld>
             <a:endParaRPr lang="en-IN"/>
           </a:p>
@@ -3375,7 +3377,7 @@
           <a:p>
             <a:fld id="{E0E7F85F-65C1-4FC9-B233-DAE9CD6E87E3}" type="datetimeFigureOut">
               <a:rPr lang="en-IN" smtClean="0"/>
-              <a:t>18-08-2025</a:t>
+              <a:t>20-08-2025</a:t>
             </a:fld>
             <a:endParaRPr lang="en-IN"/>
           </a:p>
@@ -3811,7 +3813,7 @@
         <p:spPr>
           <a:xfrm>
             <a:off x="-206477" y="1600200"/>
-            <a:ext cx="12575458" cy="1526458"/>
+            <a:ext cx="12575458" cy="1418303"/>
           </a:xfrm>
         </p:spPr>
         <p:txBody>
@@ -3821,8 +3823,8 @@
           <a:lstStyle/>
           <a:p>
             <a:r>
-              <a:rPr lang="en-IN" sz="4400" b="1" dirty="0">
-                <a:latin typeface="Bahnschrift Light" panose="020B0502040204020203" pitchFamily="34" charset="0"/>
+              <a:rPr lang="en-IN" sz="5400" b="1" dirty="0">
+                <a:latin typeface="Bahnschrift Condensed" panose="020B0502040204020203" pitchFamily="34" charset="0"/>
                 <a:cs typeface="Times New Roman" panose="02020603050405020304" pitchFamily="18" charset="0"/>
               </a:rPr>
               <a:t>Digital Scene Matching Area Correlator(DSMAC)</a:t>
@@ -3848,8 +3850,293 @@
         </p:nvSpPr>
         <p:spPr>
           <a:xfrm>
-            <a:off x="7649497" y="5476567"/>
-            <a:ext cx="4188542" cy="597310"/>
+            <a:off x="7216877" y="5112773"/>
+            <a:ext cx="4670324" cy="993060"/>
+          </a:xfrm>
+        </p:spPr>
+        <p:txBody>
+          <a:bodyPr>
+            <a:normAutofit fontScale="70000" lnSpcReduction="20000"/>
+          </a:bodyPr>
+          <a:lstStyle/>
+          <a:p>
+            <a:pPr algn="l"/>
+            <a:r>
+              <a:rPr lang="en-IN" sz="2800" b="1" i="1" dirty="0">
+                <a:latin typeface="Times New Roman" panose="02020603050405020304" pitchFamily="18" charset="0"/>
+                <a:cs typeface="Times New Roman" panose="02020603050405020304" pitchFamily="18" charset="0"/>
+              </a:rPr>
+              <a:t>By: </a:t>
+            </a:r>
+            <a:r>
+              <a:rPr lang="en-IN" sz="2800" b="1" i="1" dirty="0" err="1">
+                <a:latin typeface="Times New Roman" panose="02020603050405020304" pitchFamily="18" charset="0"/>
+                <a:cs typeface="Times New Roman" panose="02020603050405020304" pitchFamily="18" charset="0"/>
+              </a:rPr>
+              <a:t>Madhurima</a:t>
+            </a:r>
+            <a:r>
+              <a:rPr lang="en-IN" sz="2800" b="1" i="1" dirty="0">
+                <a:latin typeface="Times New Roman" panose="02020603050405020304" pitchFamily="18" charset="0"/>
+                <a:cs typeface="Times New Roman" panose="02020603050405020304" pitchFamily="18" charset="0"/>
+              </a:rPr>
+              <a:t> De</a:t>
+            </a:r>
+          </a:p>
+          <a:p>
+            <a:pPr algn="l"/>
+            <a:r>
+              <a:rPr lang="en-IN" sz="2800" b="1" i="1" dirty="0">
+                <a:latin typeface="Times New Roman" panose="02020603050405020304" pitchFamily="18" charset="0"/>
+                <a:cs typeface="Times New Roman" panose="02020603050405020304" pitchFamily="18" charset="0"/>
+              </a:rPr>
+              <a:t>Guide:  Dr. Bharath Ramakrishna (DIAT)</a:t>
+            </a:r>
+          </a:p>
+          <a:p>
+            <a:pPr algn="l"/>
+            <a:r>
+              <a:rPr lang="en-IN" sz="2800" b="1" i="1" dirty="0">
+                <a:latin typeface="Times New Roman" panose="02020603050405020304" pitchFamily="18" charset="0"/>
+                <a:cs typeface="Times New Roman" panose="02020603050405020304" pitchFamily="18" charset="0"/>
+              </a:rPr>
+              <a:t>            A </a:t>
+            </a:r>
+            <a:r>
+              <a:rPr lang="en-IN" sz="2800" b="1" i="1" dirty="0" err="1">
+                <a:latin typeface="Times New Roman" panose="02020603050405020304" pitchFamily="18" charset="0"/>
+                <a:cs typeface="Times New Roman" panose="02020603050405020304" pitchFamily="18" charset="0"/>
+              </a:rPr>
+              <a:t>Kalidasu</a:t>
+            </a:r>
+            <a:r>
+              <a:rPr lang="en-IN" sz="2800" b="1" i="1" dirty="0">
+                <a:latin typeface="Times New Roman" panose="02020603050405020304" pitchFamily="18" charset="0"/>
+                <a:cs typeface="Times New Roman" panose="02020603050405020304" pitchFamily="18" charset="0"/>
+              </a:rPr>
+              <a:t> SC E (RCI)</a:t>
+            </a:r>
+          </a:p>
+          <a:p>
+            <a:endParaRPr lang="en-IN" sz="2800" b="1" dirty="0">
+              <a:latin typeface="Bahnschrift Light" panose="020B0502040204020203" pitchFamily="34" charset="0"/>
+            </a:endParaRPr>
+          </a:p>
+          <a:p>
+            <a:endParaRPr lang="en-IN" sz="2800" b="1" dirty="0">
+              <a:latin typeface="Bahnschrift Light" panose="020B0502040204020203" pitchFamily="34" charset="0"/>
+            </a:endParaRPr>
+          </a:p>
+        </p:txBody>
+      </p:sp>
+    </p:spTree>
+    <p:extLst>
+      <p:ext uri="{BB962C8B-B14F-4D97-AF65-F5344CB8AC3E}">
+        <p14:creationId xmlns:p14="http://schemas.microsoft.com/office/powerpoint/2010/main" val="2749406515"/>
+      </p:ext>
+    </p:extLst>
+  </p:cSld>
+  <p:clrMapOvr>
+    <a:masterClrMapping/>
+  </p:clrMapOvr>
+</p:sld>
+</file>
+
+<file path=ppt/slides/slide10.xml><?xml version="1.0" encoding="utf-8"?>
+<p:sld xmlns:a="http://schemas.openxmlformats.org/drawingml/2006/main" xmlns:r="http://schemas.openxmlformats.org/officeDocument/2006/relationships" xmlns:p="http://schemas.openxmlformats.org/presentationml/2006/main">
+  <p:cSld>
+    <p:spTree>
+      <p:nvGrpSpPr>
+        <p:cNvPr id="1" name=""/>
+        <p:cNvGrpSpPr/>
+        <p:nvPr/>
+      </p:nvGrpSpPr>
+      <p:grpSpPr>
+        <a:xfrm>
+          <a:off x="0" y="0"/>
+          <a:ext cx="0" cy="0"/>
+          <a:chOff x="0" y="0"/>
+          <a:chExt cx="0" cy="0"/>
+        </a:xfrm>
+      </p:grpSpPr>
+      <p:sp>
+        <p:nvSpPr>
+          <p:cNvPr id="2" name="Title 1">
+            <a:extLst>
+              <a:ext uri="{FF2B5EF4-FFF2-40B4-BE49-F238E27FC236}">
+                <a16:creationId xmlns:a16="http://schemas.microsoft.com/office/drawing/2014/main" id="{43B73FDC-AA21-14B0-C64A-CE71F1A96365}"/>
+              </a:ext>
+            </a:extLst>
+          </p:cNvPr>
+          <p:cNvSpPr>
+            <a:spLocks noGrp="1"/>
+          </p:cNvSpPr>
+          <p:nvPr>
+            <p:ph type="title"/>
+          </p:nvPr>
+        </p:nvSpPr>
+        <p:spPr>
+          <a:xfrm>
+            <a:off x="838200" y="365125"/>
+            <a:ext cx="10515600" cy="1021223"/>
+          </a:xfrm>
+        </p:spPr>
+        <p:txBody>
+          <a:bodyPr>
+            <a:noAutofit/>
+          </a:bodyPr>
+          <a:lstStyle/>
+          <a:p>
+            <a:r>
+              <a:rPr lang="en-IN" b="1" dirty="0"/>
+              <a:t>Progress</a:t>
+            </a:r>
+          </a:p>
+        </p:txBody>
+      </p:sp>
+      <p:sp>
+        <p:nvSpPr>
+          <p:cNvPr id="3" name="Content Placeholder 2">
+            <a:extLst>
+              <a:ext uri="{FF2B5EF4-FFF2-40B4-BE49-F238E27FC236}">
+                <a16:creationId xmlns:a16="http://schemas.microsoft.com/office/drawing/2014/main" id="{D3707459-1449-3BC4-8B9A-6C7DCB0DB634}"/>
+              </a:ext>
+            </a:extLst>
+          </p:cNvPr>
+          <p:cNvSpPr>
+            <a:spLocks noGrp="1"/>
+          </p:cNvSpPr>
+          <p:nvPr>
+            <p:ph idx="1"/>
+          </p:nvPr>
+        </p:nvSpPr>
+        <p:spPr>
+          <a:xfrm>
+            <a:off x="838200" y="1740310"/>
+            <a:ext cx="10515600" cy="4752565"/>
+          </a:xfrm>
+        </p:spPr>
+        <p:txBody>
+          <a:bodyPr/>
+          <a:lstStyle/>
+          <a:p>
+            <a:r>
+              <a:rPr lang="en-IN" sz="2400" dirty="0">
+                <a:latin typeface="Times New Roman" panose="02020603050405020304" pitchFamily="18" charset="0"/>
+                <a:cs typeface="Times New Roman" panose="02020603050405020304" pitchFamily="18" charset="0"/>
+              </a:rPr>
+              <a:t>Downloaded datasets.</a:t>
+            </a:r>
+          </a:p>
+          <a:p>
+            <a:pPr marL="0" indent="0">
+              <a:buNone/>
+            </a:pPr>
+            <a:endParaRPr lang="en-IN" sz="2400" dirty="0">
+              <a:latin typeface="Times New Roman" panose="02020603050405020304" pitchFamily="18" charset="0"/>
+              <a:cs typeface="Times New Roman" panose="02020603050405020304" pitchFamily="18" charset="0"/>
+            </a:endParaRPr>
+          </a:p>
+          <a:p>
+            <a:r>
+              <a:rPr lang="en-IN" sz="2400" dirty="0">
+                <a:latin typeface="Times New Roman" panose="02020603050405020304" pitchFamily="18" charset="0"/>
+                <a:cs typeface="Times New Roman" panose="02020603050405020304" pitchFamily="18" charset="0"/>
+              </a:rPr>
+              <a:t>Pre-processed the data and applied normalization.</a:t>
+            </a:r>
+          </a:p>
+          <a:p>
+            <a:pPr marL="0" indent="0">
+              <a:buNone/>
+            </a:pPr>
+            <a:endParaRPr lang="en-IN" sz="2400" dirty="0">
+              <a:latin typeface="Times New Roman" panose="02020603050405020304" pitchFamily="18" charset="0"/>
+              <a:cs typeface="Times New Roman" panose="02020603050405020304" pitchFamily="18" charset="0"/>
+            </a:endParaRPr>
+          </a:p>
+          <a:p>
+            <a:r>
+              <a:rPr lang="en-IN" sz="2400" dirty="0">
+                <a:latin typeface="Times New Roman" panose="02020603050405020304" pitchFamily="18" charset="0"/>
+                <a:cs typeface="Times New Roman" panose="02020603050405020304" pitchFamily="18" charset="0"/>
+              </a:rPr>
+              <a:t>Studied traditional as well as newer area correlator methods.</a:t>
+            </a:r>
+          </a:p>
+          <a:p>
+            <a:pPr marL="0" indent="0">
+              <a:buNone/>
+            </a:pPr>
+            <a:endParaRPr lang="en-IN" sz="2400" dirty="0">
+              <a:latin typeface="Times New Roman" panose="02020603050405020304" pitchFamily="18" charset="0"/>
+              <a:cs typeface="Times New Roman" panose="02020603050405020304" pitchFamily="18" charset="0"/>
+            </a:endParaRPr>
+          </a:p>
+          <a:p>
+            <a:r>
+              <a:rPr lang="en-IN" sz="2400" dirty="0">
+                <a:latin typeface="Times New Roman" panose="02020603050405020304" pitchFamily="18" charset="0"/>
+                <a:cs typeface="Times New Roman" panose="02020603050405020304" pitchFamily="18" charset="0"/>
+              </a:rPr>
+              <a:t>Identifying and studying new algorithms that can be applied to correlate between RGB spectrum and Infrared spectrum images.</a:t>
+            </a:r>
+          </a:p>
+          <a:p>
+            <a:endParaRPr lang="en-IN" dirty="0"/>
+          </a:p>
+        </p:txBody>
+      </p:sp>
+    </p:spTree>
+    <p:extLst>
+      <p:ext uri="{BB962C8B-B14F-4D97-AF65-F5344CB8AC3E}">
+        <p14:creationId xmlns:p14="http://schemas.microsoft.com/office/powerpoint/2010/main" val="1642787154"/>
+      </p:ext>
+    </p:extLst>
+  </p:cSld>
+  <p:clrMapOvr>
+    <a:masterClrMapping/>
+  </p:clrMapOvr>
+</p:sld>
+</file>
+
+<file path=ppt/slides/slide11.xml><?xml version="1.0" encoding="utf-8"?>
+<p:sld xmlns:a="http://schemas.openxmlformats.org/drawingml/2006/main" xmlns:r="http://schemas.openxmlformats.org/officeDocument/2006/relationships" xmlns:p="http://schemas.openxmlformats.org/presentationml/2006/main">
+  <p:cSld>
+    <p:spTree>
+      <p:nvGrpSpPr>
+        <p:cNvPr id="1" name=""/>
+        <p:cNvGrpSpPr/>
+        <p:nvPr/>
+      </p:nvGrpSpPr>
+      <p:grpSpPr>
+        <a:xfrm>
+          <a:off x="0" y="0"/>
+          <a:ext cx="0" cy="0"/>
+          <a:chOff x="0" y="0"/>
+          <a:chExt cx="0" cy="0"/>
+        </a:xfrm>
+      </p:grpSpPr>
+      <p:sp>
+        <p:nvSpPr>
+          <p:cNvPr id="2" name="Title 1">
+            <a:extLst>
+              <a:ext uri="{FF2B5EF4-FFF2-40B4-BE49-F238E27FC236}">
+                <a16:creationId xmlns:a16="http://schemas.microsoft.com/office/drawing/2014/main" id="{BB560A66-25A2-6FAD-B25E-C6A28B7DB39C}"/>
+              </a:ext>
+            </a:extLst>
+          </p:cNvPr>
+          <p:cNvSpPr>
+            <a:spLocks noGrp="1"/>
+          </p:cNvSpPr>
+          <p:nvPr>
+            <p:ph type="title"/>
+          </p:nvPr>
+        </p:nvSpPr>
+        <p:spPr>
+          <a:xfrm>
+            <a:off x="838200" y="2243086"/>
+            <a:ext cx="10515600" cy="1325563"/>
           </a:xfrm>
         </p:spPr>
         <p:txBody>
@@ -3858,23 +4145,13 @@
           </a:bodyPr>
           <a:lstStyle/>
           <a:p>
-            <a:r>
-              <a:rPr lang="en-IN" sz="2800" b="1" dirty="0">
-                <a:latin typeface="Bahnschrift Light" panose="020B0502040204020203" pitchFamily="34" charset="0"/>
+            <a:pPr algn="ctr"/>
+            <a:r>
+              <a:rPr lang="en-IN" sz="7200" b="1" dirty="0">
+                <a:latin typeface="Times New Roman" panose="02020603050405020304" pitchFamily="18" charset="0"/>
+                <a:cs typeface="Times New Roman" panose="02020603050405020304" pitchFamily="18" charset="0"/>
               </a:rPr>
-              <a:t>By: </a:t>
-            </a:r>
-            <a:r>
-              <a:rPr lang="en-IN" sz="2800" b="1" dirty="0" err="1">
-                <a:latin typeface="Bahnschrift Light" panose="020B0502040204020203" pitchFamily="34" charset="0"/>
-              </a:rPr>
-              <a:t>Madhurima</a:t>
-            </a:r>
-            <a:r>
-              <a:rPr lang="en-IN" sz="2800" b="1" dirty="0">
-                <a:latin typeface="Bahnschrift Light" panose="020B0502040204020203" pitchFamily="34" charset="0"/>
-              </a:rPr>
-              <a:t> De</a:t>
+              <a:t>Thank You</a:t>
             </a:r>
           </a:p>
         </p:txBody>
@@ -3882,7 +4159,7 @@
     </p:spTree>
     <p:extLst>
       <p:ext uri="{BB962C8B-B14F-4D97-AF65-F5344CB8AC3E}">
-        <p14:creationId xmlns:p14="http://schemas.microsoft.com/office/powerpoint/2010/main" val="2749406515"/>
+        <p14:creationId xmlns:p14="http://schemas.microsoft.com/office/powerpoint/2010/main" val="1365166534"/>
       </p:ext>
     </p:extLst>
   </p:cSld>
@@ -3911,10 +4188,10 @@
       </p:grpSpPr>
       <p:sp>
         <p:nvSpPr>
-          <p:cNvPr id="3" name="Title 2">
-            <a:extLst>
-              <a:ext uri="{FF2B5EF4-FFF2-40B4-BE49-F238E27FC236}">
-                <a16:creationId xmlns:a16="http://schemas.microsoft.com/office/drawing/2014/main" id="{3C18AA41-CA34-07D7-D66A-773E67240A11}"/>
+          <p:cNvPr id="2" name="Title 1">
+            <a:extLst>
+              <a:ext uri="{FF2B5EF4-FFF2-40B4-BE49-F238E27FC236}">
+                <a16:creationId xmlns:a16="http://schemas.microsoft.com/office/drawing/2014/main" id="{CA350228-BA9C-32A5-7611-E201FB8571DA}"/>
               </a:ext>
             </a:extLst>
           </p:cNvPr>
@@ -3927,29 +4204,27 @@
         </p:nvSpPr>
         <p:spPr>
           <a:xfrm>
-            <a:off x="838200" y="522442"/>
-            <a:ext cx="10515600" cy="539442"/>
+            <a:off x="838200" y="365125"/>
+            <a:ext cx="10515600" cy="1168707"/>
           </a:xfrm>
         </p:spPr>
         <p:txBody>
-          <a:bodyPr>
-            <a:noAutofit/>
-          </a:bodyPr>
+          <a:bodyPr/>
           <a:lstStyle/>
           <a:p>
             <a:r>
               <a:rPr lang="en-IN" b="1" dirty="0"/>
-              <a:t>What is DSMAC?</a:t>
-            </a:r>
-          </a:p>
-        </p:txBody>
-      </p:sp>
-      <p:sp>
-        <p:nvSpPr>
-          <p:cNvPr id="4" name="Content Placeholder 3">
-            <a:extLst>
-              <a:ext uri="{FF2B5EF4-FFF2-40B4-BE49-F238E27FC236}">
-                <a16:creationId xmlns:a16="http://schemas.microsoft.com/office/drawing/2014/main" id="{0A2CFB00-CE52-0B72-88F8-1A627EBF9F9B}"/>
+              <a:t>Problem Statement</a:t>
+            </a:r>
+          </a:p>
+        </p:txBody>
+      </p:sp>
+      <p:sp>
+        <p:nvSpPr>
+          <p:cNvPr id="3" name="Content Placeholder 2">
+            <a:extLst>
+              <a:ext uri="{FF2B5EF4-FFF2-40B4-BE49-F238E27FC236}">
+                <a16:creationId xmlns:a16="http://schemas.microsoft.com/office/drawing/2014/main" id="{D8B680C5-CA9C-2D36-3D0D-DCD5317D9785}"/>
               </a:ext>
             </a:extLst>
           </p:cNvPr>
@@ -3962,8 +4237,8 @@
         </p:nvSpPr>
         <p:spPr>
           <a:xfrm>
-            <a:off x="838200" y="1584272"/>
-            <a:ext cx="10515600" cy="4751286"/>
+            <a:off x="838200" y="1946787"/>
+            <a:ext cx="10515600" cy="4230176"/>
           </a:xfrm>
         </p:spPr>
         <p:txBody>
@@ -3975,7 +4250,22 @@
                 <a:latin typeface="Times New Roman" panose="02020603050405020304" pitchFamily="18" charset="0"/>
                 <a:cs typeface="Times New Roman" panose="02020603050405020304" pitchFamily="18" charset="0"/>
               </a:rPr>
-              <a:t>It is an autonomous navigation system/ guidance system used in missiles and drones.</a:t>
+              <a:t>Application where a drone flies in a custom 10 km x 10 km map and navigates through predefined trajectory on a simulation platform.</a:t>
+            </a:r>
+          </a:p>
+          <a:p>
+            <a:endParaRPr lang="en-IN" sz="2400" dirty="0">
+              <a:latin typeface="Times New Roman" panose="02020603050405020304" pitchFamily="18" charset="0"/>
+              <a:cs typeface="Times New Roman" panose="02020603050405020304" pitchFamily="18" charset="0"/>
+            </a:endParaRPr>
+          </a:p>
+          <a:p>
+            <a:r>
+              <a:rPr lang="en-US" sz="2400" dirty="0">
+                <a:latin typeface="Times New Roman" panose="02020603050405020304" pitchFamily="18" charset="0"/>
+                <a:cs typeface="Times New Roman" panose="02020603050405020304" pitchFamily="18" charset="0"/>
+              </a:rPr>
+              <a:t>As the images acquired during mission planning is in RGB spectrum but the camera attached to the drone will capture Infrared spectrum images during flight, hence we need to correlate between images in visible spectrum and thermal spectrum.</a:t>
             </a:r>
           </a:p>
           <a:p>
@@ -3988,42 +4278,15 @@
             </a:endParaRPr>
           </a:p>
           <a:p>
-            <a:r>
-              <a:rPr lang="en-IN" sz="2400" dirty="0">
-                <a:latin typeface="Times New Roman" panose="02020603050405020304" pitchFamily="18" charset="0"/>
-                <a:cs typeface="Times New Roman" panose="02020603050405020304" pitchFamily="18" charset="0"/>
-              </a:rPr>
-              <a:t>It uses digital image processing to compare and match real time image of the terrain with pre-stored reference images, compensating for errors in other navigation systems like inertial guidance.</a:t>
-            </a:r>
-          </a:p>
-          <a:p>
             <a:pPr marL="0" indent="0">
               <a:buNone/>
             </a:pPr>
-            <a:endParaRPr lang="en-IN" sz="2400" dirty="0">
-              <a:latin typeface="Times New Roman" panose="02020603050405020304" pitchFamily="18" charset="0"/>
-              <a:cs typeface="Times New Roman" panose="02020603050405020304" pitchFamily="18" charset="0"/>
-            </a:endParaRPr>
-          </a:p>
-          <a:p>
-            <a:r>
-              <a:rPr lang="en-IN" sz="2400" dirty="0">
-                <a:latin typeface="Times New Roman" panose="02020603050405020304" pitchFamily="18" charset="0"/>
-                <a:cs typeface="Times New Roman" panose="02020603050405020304" pitchFamily="18" charset="0"/>
-              </a:rPr>
-              <a:t>It allows the drone to determine it’s position and adjust the trajectory.</a:t>
-            </a:r>
+            <a:endParaRPr lang="en-IN" dirty="0"/>
           </a:p>
           <a:p>
             <a:pPr marL="0" indent="0">
               <a:buNone/>
             </a:pPr>
-            <a:endParaRPr lang="en-IN" sz="2400" dirty="0">
-              <a:latin typeface="Times New Roman" panose="02020603050405020304" pitchFamily="18" charset="0"/>
-              <a:cs typeface="Times New Roman" panose="02020603050405020304" pitchFamily="18" charset="0"/>
-            </a:endParaRPr>
-          </a:p>
-          <a:p>
             <a:endParaRPr lang="en-IN" dirty="0"/>
           </a:p>
         </p:txBody>
@@ -4031,7 +4294,7 @@
     </p:spTree>
     <p:extLst>
       <p:ext uri="{BB962C8B-B14F-4D97-AF65-F5344CB8AC3E}">
-        <p14:creationId xmlns:p14="http://schemas.microsoft.com/office/powerpoint/2010/main" val="4231975094"/>
+        <p14:creationId xmlns:p14="http://schemas.microsoft.com/office/powerpoint/2010/main" val="3079067028"/>
       </p:ext>
     </p:extLst>
   </p:cSld>
@@ -4060,10 +4323,10 @@
       </p:grpSpPr>
       <p:sp>
         <p:nvSpPr>
-          <p:cNvPr id="2" name="Title 1">
-            <a:extLst>
-              <a:ext uri="{FF2B5EF4-FFF2-40B4-BE49-F238E27FC236}">
-                <a16:creationId xmlns:a16="http://schemas.microsoft.com/office/drawing/2014/main" id="{B8B040BF-4E27-E694-9A7C-1C18573F5020}"/>
+          <p:cNvPr id="3" name="Title 2">
+            <a:extLst>
+              <a:ext uri="{FF2B5EF4-FFF2-40B4-BE49-F238E27FC236}">
+                <a16:creationId xmlns:a16="http://schemas.microsoft.com/office/drawing/2014/main" id="{3C18AA41-CA34-07D7-D66A-773E67240A11}"/>
               </a:ext>
             </a:extLst>
           </p:cNvPr>
@@ -4076,29 +4339,29 @@
         </p:nvSpPr>
         <p:spPr>
           <a:xfrm>
-            <a:off x="838200" y="365126"/>
-            <a:ext cx="10515600" cy="824578"/>
+            <a:off x="838200" y="522442"/>
+            <a:ext cx="10515600" cy="539442"/>
           </a:xfrm>
         </p:spPr>
         <p:txBody>
           <a:bodyPr>
-            <a:normAutofit/>
+            <a:noAutofit/>
           </a:bodyPr>
           <a:lstStyle/>
           <a:p>
             <a:r>
               <a:rPr lang="en-IN" b="1" dirty="0"/>
-              <a:t>Working of a DSMAC</a:t>
-            </a:r>
-          </a:p>
-        </p:txBody>
-      </p:sp>
-      <p:sp>
-        <p:nvSpPr>
-          <p:cNvPr id="3" name="Content Placeholder 2">
-            <a:extLst>
-              <a:ext uri="{FF2B5EF4-FFF2-40B4-BE49-F238E27FC236}">
-                <a16:creationId xmlns:a16="http://schemas.microsoft.com/office/drawing/2014/main" id="{812722B4-4F03-15A5-F9F8-45504CB45D9F}"/>
+              <a:t>What is DSMAC?</a:t>
+            </a:r>
+          </a:p>
+        </p:txBody>
+      </p:sp>
+      <p:sp>
+        <p:nvSpPr>
+          <p:cNvPr id="4" name="Content Placeholder 3">
+            <a:extLst>
+              <a:ext uri="{FF2B5EF4-FFF2-40B4-BE49-F238E27FC236}">
+                <a16:creationId xmlns:a16="http://schemas.microsoft.com/office/drawing/2014/main" id="{0A2CFB00-CE52-0B72-88F8-1A627EBF9F9B}"/>
               </a:ext>
             </a:extLst>
           </p:cNvPr>
@@ -4111,163 +4374,68 @@
         </p:nvSpPr>
         <p:spPr>
           <a:xfrm>
-            <a:off x="838200" y="1632155"/>
-            <a:ext cx="10515600" cy="4544808"/>
+            <a:off x="838200" y="1584272"/>
+            <a:ext cx="10515600" cy="4751286"/>
           </a:xfrm>
         </p:spPr>
         <p:txBody>
-          <a:bodyPr>
-            <a:normAutofit lnSpcReduction="10000"/>
-          </a:bodyPr>
+          <a:bodyPr/>
           <a:lstStyle/>
           <a:p>
-            <a:pPr marL="0" indent="0">
-              <a:buNone/>
-            </a:pPr>
-            <a:r>
-              <a:rPr lang="en-IN" sz="2000" b="1" dirty="0"/>
-              <a:t>1. </a:t>
-            </a:r>
-            <a:r>
-              <a:rPr lang="en-IN" sz="2000" b="1" dirty="0">
+            <a:r>
+              <a:rPr lang="en-IN" sz="2400" dirty="0">
                 <a:latin typeface="Times New Roman" panose="02020603050405020304" pitchFamily="18" charset="0"/>
                 <a:cs typeface="Times New Roman" panose="02020603050405020304" pitchFamily="18" charset="0"/>
               </a:rPr>
-              <a:t>Pre-loaded map: </a:t>
-            </a:r>
-            <a:r>
-              <a:rPr lang="en-IN" sz="2000" dirty="0">
+              <a:t>It is an autonomous navigation system/ guidance system used in missiles and drones.</a:t>
+            </a:r>
+          </a:p>
+          <a:p>
+            <a:pPr marL="0" indent="0">
+              <a:buNone/>
+            </a:pPr>
+            <a:endParaRPr lang="en-IN" sz="2400" dirty="0">
+              <a:latin typeface="Times New Roman" panose="02020603050405020304" pitchFamily="18" charset="0"/>
+              <a:cs typeface="Times New Roman" panose="02020603050405020304" pitchFamily="18" charset="0"/>
+            </a:endParaRPr>
+          </a:p>
+          <a:p>
+            <a:r>
+              <a:rPr lang="en-IN" sz="2400" dirty="0">
                 <a:latin typeface="Times New Roman" panose="02020603050405020304" pitchFamily="18" charset="0"/>
                 <a:cs typeface="Times New Roman" panose="02020603050405020304" pitchFamily="18" charset="0"/>
               </a:rPr>
-              <a:t>A DSMAC system requires a detailed map of the target area, often created from satellite or areal imagery and stored in the drone’s memory.</a:t>
+              <a:t>It uses digital image processing to compare and match real time image of the terrain with pre-stored reference images, compensating for errors in other navigation systems like inertial guidance.</a:t>
             </a:r>
           </a:p>
           <a:p>
             <a:pPr marL="0" indent="0">
               <a:buNone/>
             </a:pPr>
-            <a:endParaRPr lang="en-IN" sz="2000" dirty="0">
+            <a:endParaRPr lang="en-IN" sz="2400" dirty="0">
               <a:latin typeface="Times New Roman" panose="02020603050405020304" pitchFamily="18" charset="0"/>
               <a:cs typeface="Times New Roman" panose="02020603050405020304" pitchFamily="18" charset="0"/>
             </a:endParaRPr>
           </a:p>
           <a:p>
-            <a:pPr marL="0" indent="0">
-              <a:buNone/>
-            </a:pPr>
-            <a:r>
-              <a:rPr lang="en-IN" sz="2000" b="1" dirty="0">
+            <a:r>
+              <a:rPr lang="en-IN" sz="2400" dirty="0">
                 <a:latin typeface="Times New Roman" panose="02020603050405020304" pitchFamily="18" charset="0"/>
                 <a:cs typeface="Times New Roman" panose="02020603050405020304" pitchFamily="18" charset="0"/>
               </a:rPr>
-              <a:t>2. Real-time image acquisition:</a:t>
-            </a:r>
-            <a:r>
-              <a:rPr lang="en-IN" sz="2000" dirty="0">
-                <a:latin typeface="Times New Roman" panose="02020603050405020304" pitchFamily="18" charset="0"/>
-                <a:cs typeface="Times New Roman" panose="02020603050405020304" pitchFamily="18" charset="0"/>
-              </a:rPr>
-              <a:t> The drone’s camera captures images of the terrain below as it flies.</a:t>
+              <a:t>It allows the drone to determine it’s position and adjust the trajectory.</a:t>
             </a:r>
           </a:p>
           <a:p>
             <a:pPr marL="0" indent="0">
               <a:buNone/>
             </a:pPr>
-            <a:endParaRPr lang="en-IN" sz="2000" dirty="0">
+            <a:endParaRPr lang="en-IN" sz="2400" dirty="0">
               <a:latin typeface="Times New Roman" panose="02020603050405020304" pitchFamily="18" charset="0"/>
               <a:cs typeface="Times New Roman" panose="02020603050405020304" pitchFamily="18" charset="0"/>
             </a:endParaRPr>
           </a:p>
           <a:p>
-            <a:pPr marL="0" indent="0">
-              <a:buNone/>
-            </a:pPr>
-            <a:r>
-              <a:rPr lang="en-IN" sz="2000" b="1" dirty="0">
-                <a:latin typeface="Times New Roman" panose="02020603050405020304" pitchFamily="18" charset="0"/>
-                <a:cs typeface="Times New Roman" panose="02020603050405020304" pitchFamily="18" charset="0"/>
-              </a:rPr>
-              <a:t>3. Feature extraction and matching:</a:t>
-            </a:r>
-            <a:r>
-              <a:rPr lang="en-IN" sz="2000" dirty="0">
-                <a:latin typeface="Times New Roman" panose="02020603050405020304" pitchFamily="18" charset="0"/>
-                <a:cs typeface="Times New Roman" panose="02020603050405020304" pitchFamily="18" charset="0"/>
-              </a:rPr>
-              <a:t> The system identifies and extracts distinctive features and structures from both the captured images and pre loaded map.</a:t>
-            </a:r>
-          </a:p>
-          <a:p>
-            <a:pPr marL="0" indent="0">
-              <a:buNone/>
-            </a:pPr>
-            <a:endParaRPr lang="en-IN" sz="2000" dirty="0">
-              <a:latin typeface="Times New Roman" panose="02020603050405020304" pitchFamily="18" charset="0"/>
-              <a:cs typeface="Times New Roman" panose="02020603050405020304" pitchFamily="18" charset="0"/>
-            </a:endParaRPr>
-          </a:p>
-          <a:p>
-            <a:pPr marL="0" indent="0">
-              <a:buNone/>
-            </a:pPr>
-            <a:r>
-              <a:rPr lang="en-IN" sz="2000" b="1" dirty="0">
-                <a:latin typeface="Times New Roman" panose="02020603050405020304" pitchFamily="18" charset="0"/>
-                <a:cs typeface="Times New Roman" panose="02020603050405020304" pitchFamily="18" charset="0"/>
-              </a:rPr>
-              <a:t>4. Correlation:</a:t>
-            </a:r>
-            <a:r>
-              <a:rPr lang="en-IN" sz="2000" dirty="0">
-                <a:latin typeface="Times New Roman" panose="02020603050405020304" pitchFamily="18" charset="0"/>
-                <a:cs typeface="Times New Roman" panose="02020603050405020304" pitchFamily="18" charset="0"/>
-              </a:rPr>
-              <a:t> The system that compares the extracted features from the live images with those from the map, calculating a “correlation score” to determine the best match.</a:t>
-            </a:r>
-          </a:p>
-          <a:p>
-            <a:pPr marL="0" indent="0">
-              <a:buNone/>
-            </a:pPr>
-            <a:endParaRPr lang="en-IN" sz="2000" dirty="0">
-              <a:latin typeface="Times New Roman" panose="02020603050405020304" pitchFamily="18" charset="0"/>
-              <a:cs typeface="Times New Roman" panose="02020603050405020304" pitchFamily="18" charset="0"/>
-            </a:endParaRPr>
-          </a:p>
-          <a:p>
-            <a:pPr marL="0" indent="0">
-              <a:buNone/>
-            </a:pPr>
-            <a:r>
-              <a:rPr lang="en-IN" sz="2000" b="1" dirty="0">
-                <a:latin typeface="Times New Roman" panose="02020603050405020304" pitchFamily="18" charset="0"/>
-                <a:cs typeface="Times New Roman" panose="02020603050405020304" pitchFamily="18" charset="0"/>
-              </a:rPr>
-              <a:t>5. Position Correlation:</a:t>
-            </a:r>
-            <a:r>
-              <a:rPr lang="en-IN" sz="2000" dirty="0">
-                <a:latin typeface="Times New Roman" panose="02020603050405020304" pitchFamily="18" charset="0"/>
-                <a:cs typeface="Times New Roman" panose="02020603050405020304" pitchFamily="18" charset="0"/>
-              </a:rPr>
-              <a:t> Based on correlation results, the drone can determine it’s precise location and make corrections to it’s flight path, potentially even compensating for GPS errors and jamming.</a:t>
-            </a:r>
-          </a:p>
-          <a:p>
-            <a:pPr marL="0" indent="0">
-              <a:buNone/>
-            </a:pPr>
-            <a:endParaRPr lang="en-IN" sz="2000" dirty="0">
-              <a:latin typeface="Times New Roman" panose="02020603050405020304" pitchFamily="18" charset="0"/>
-              <a:cs typeface="Times New Roman" panose="02020603050405020304" pitchFamily="18" charset="0"/>
-            </a:endParaRPr>
-          </a:p>
-          <a:p>
-            <a:pPr marL="0" indent="0">
-              <a:buNone/>
-            </a:pPr>
             <a:endParaRPr lang="en-IN" dirty="0"/>
           </a:p>
         </p:txBody>
@@ -4275,7 +4443,7 @@
     </p:spTree>
     <p:extLst>
       <p:ext uri="{BB962C8B-B14F-4D97-AF65-F5344CB8AC3E}">
-        <p14:creationId xmlns:p14="http://schemas.microsoft.com/office/powerpoint/2010/main" val="3179844951"/>
+        <p14:creationId xmlns:p14="http://schemas.microsoft.com/office/powerpoint/2010/main" val="4231975094"/>
       </p:ext>
     </p:extLst>
   </p:cSld>
@@ -4307,6 +4475,431 @@
           <p:cNvPr id="2" name="Title 1">
             <a:extLst>
               <a:ext uri="{FF2B5EF4-FFF2-40B4-BE49-F238E27FC236}">
+                <a16:creationId xmlns:a16="http://schemas.microsoft.com/office/drawing/2014/main" id="{B8B040BF-4E27-E694-9A7C-1C18573F5020}"/>
+              </a:ext>
+            </a:extLst>
+          </p:cNvPr>
+          <p:cNvSpPr>
+            <a:spLocks noGrp="1"/>
+          </p:cNvSpPr>
+          <p:nvPr>
+            <p:ph type="title"/>
+          </p:nvPr>
+        </p:nvSpPr>
+        <p:spPr>
+          <a:xfrm>
+            <a:off x="838200" y="365126"/>
+            <a:ext cx="10515600" cy="578771"/>
+          </a:xfrm>
+        </p:spPr>
+        <p:txBody>
+          <a:bodyPr>
+            <a:noAutofit/>
+          </a:bodyPr>
+          <a:lstStyle/>
+          <a:p>
+            <a:r>
+              <a:rPr lang="en-IN" b="1" dirty="0"/>
+              <a:t>Working of a DSMAC</a:t>
+            </a:r>
+          </a:p>
+        </p:txBody>
+      </p:sp>
+      <p:sp>
+        <p:nvSpPr>
+          <p:cNvPr id="3" name="Content Placeholder 2">
+            <a:extLst>
+              <a:ext uri="{FF2B5EF4-FFF2-40B4-BE49-F238E27FC236}">
+                <a16:creationId xmlns:a16="http://schemas.microsoft.com/office/drawing/2014/main" id="{812722B4-4F03-15A5-F9F8-45504CB45D9F}"/>
+              </a:ext>
+            </a:extLst>
+          </p:cNvPr>
+          <p:cNvSpPr>
+            <a:spLocks noGrp="1"/>
+          </p:cNvSpPr>
+          <p:nvPr>
+            <p:ph idx="1"/>
+          </p:nvPr>
+        </p:nvSpPr>
+        <p:spPr>
+          <a:xfrm>
+            <a:off x="838200" y="1307690"/>
+            <a:ext cx="10515600" cy="5417575"/>
+          </a:xfrm>
+        </p:spPr>
+        <p:txBody>
+          <a:bodyPr>
+            <a:normAutofit/>
+          </a:bodyPr>
+          <a:lstStyle/>
+          <a:p>
+            <a:pPr marL="0" indent="0">
+              <a:buNone/>
+            </a:pPr>
+            <a:r>
+              <a:rPr lang="en-IN" sz="2000" b="1" dirty="0">
+                <a:latin typeface="Times New Roman" panose="02020603050405020304" pitchFamily="18" charset="0"/>
+                <a:cs typeface="Times New Roman" panose="02020603050405020304" pitchFamily="18" charset="0"/>
+              </a:rPr>
+              <a:t>1. Pre-loaded map: </a:t>
+            </a:r>
+            <a:r>
+              <a:rPr lang="en-IN" sz="2000" dirty="0">
+                <a:latin typeface="Times New Roman" panose="02020603050405020304" pitchFamily="18" charset="0"/>
+                <a:cs typeface="Times New Roman" panose="02020603050405020304" pitchFamily="18" charset="0"/>
+              </a:rPr>
+              <a:t>A DSMAC system requires a detailed map of the target area, often created from satellite or areal imagery and stored in the drone’s memory.</a:t>
+            </a:r>
+          </a:p>
+          <a:p>
+            <a:pPr marL="0" indent="0">
+              <a:buNone/>
+            </a:pPr>
+            <a:endParaRPr lang="en-IN" sz="2000" dirty="0">
+              <a:latin typeface="Times New Roman" panose="02020603050405020304" pitchFamily="18" charset="0"/>
+              <a:cs typeface="Times New Roman" panose="02020603050405020304" pitchFamily="18" charset="0"/>
+            </a:endParaRPr>
+          </a:p>
+          <a:p>
+            <a:pPr marL="0" indent="0">
+              <a:buNone/>
+            </a:pPr>
+            <a:r>
+              <a:rPr lang="en-IN" sz="2000" b="1" dirty="0">
+                <a:latin typeface="Times New Roman" panose="02020603050405020304" pitchFamily="18" charset="0"/>
+                <a:cs typeface="Times New Roman" panose="02020603050405020304" pitchFamily="18" charset="0"/>
+              </a:rPr>
+              <a:t>2. Real-time image acquisition:</a:t>
+            </a:r>
+            <a:r>
+              <a:rPr lang="en-IN" sz="2000" dirty="0">
+                <a:latin typeface="Times New Roman" panose="02020603050405020304" pitchFamily="18" charset="0"/>
+                <a:cs typeface="Times New Roman" panose="02020603050405020304" pitchFamily="18" charset="0"/>
+              </a:rPr>
+              <a:t> The drone’s camera captures images of the terrain below as it flies.</a:t>
+            </a:r>
+          </a:p>
+          <a:p>
+            <a:pPr marL="0" indent="0">
+              <a:buNone/>
+            </a:pPr>
+            <a:endParaRPr lang="en-IN" sz="2000" dirty="0">
+              <a:latin typeface="Times New Roman" panose="02020603050405020304" pitchFamily="18" charset="0"/>
+              <a:cs typeface="Times New Roman" panose="02020603050405020304" pitchFamily="18" charset="0"/>
+            </a:endParaRPr>
+          </a:p>
+          <a:p>
+            <a:pPr marL="0" indent="0">
+              <a:buNone/>
+            </a:pPr>
+            <a:r>
+              <a:rPr lang="en-IN" sz="2000" b="1" dirty="0">
+                <a:latin typeface="Times New Roman" panose="02020603050405020304" pitchFamily="18" charset="0"/>
+                <a:cs typeface="Times New Roman" panose="02020603050405020304" pitchFamily="18" charset="0"/>
+              </a:rPr>
+              <a:t>3. Feature extraction and matching:</a:t>
+            </a:r>
+            <a:r>
+              <a:rPr lang="en-IN" sz="2000" dirty="0">
+                <a:latin typeface="Times New Roman" panose="02020603050405020304" pitchFamily="18" charset="0"/>
+                <a:cs typeface="Times New Roman" panose="02020603050405020304" pitchFamily="18" charset="0"/>
+              </a:rPr>
+              <a:t> The system identifies and extracts distinctive features and structures from both the captured images and pre loaded map.</a:t>
+            </a:r>
+          </a:p>
+          <a:p>
+            <a:pPr marL="0" indent="0">
+              <a:buNone/>
+            </a:pPr>
+            <a:endParaRPr lang="en-IN" sz="2000" dirty="0">
+              <a:latin typeface="Times New Roman" panose="02020603050405020304" pitchFamily="18" charset="0"/>
+              <a:cs typeface="Times New Roman" panose="02020603050405020304" pitchFamily="18" charset="0"/>
+            </a:endParaRPr>
+          </a:p>
+          <a:p>
+            <a:pPr marL="0" indent="0">
+              <a:buNone/>
+            </a:pPr>
+            <a:endParaRPr lang="en-IN" sz="2000" dirty="0">
+              <a:latin typeface="Times New Roman" panose="02020603050405020304" pitchFamily="18" charset="0"/>
+              <a:cs typeface="Times New Roman" panose="02020603050405020304" pitchFamily="18" charset="0"/>
+            </a:endParaRPr>
+          </a:p>
+          <a:p>
+            <a:pPr marL="0" indent="0">
+              <a:buNone/>
+            </a:pPr>
+            <a:endParaRPr lang="en-IN" sz="2000" dirty="0">
+              <a:latin typeface="Times New Roman" panose="02020603050405020304" pitchFamily="18" charset="0"/>
+              <a:cs typeface="Times New Roman" panose="02020603050405020304" pitchFamily="18" charset="0"/>
+            </a:endParaRPr>
+          </a:p>
+          <a:p>
+            <a:pPr marL="0" indent="0">
+              <a:buNone/>
+            </a:pPr>
+            <a:endParaRPr lang="en-IN" sz="2000" b="1" dirty="0">
+              <a:latin typeface="Times New Roman" panose="02020603050405020304" pitchFamily="18" charset="0"/>
+              <a:cs typeface="Times New Roman" panose="02020603050405020304" pitchFamily="18" charset="0"/>
+            </a:endParaRPr>
+          </a:p>
+          <a:p>
+            <a:pPr marL="0" indent="0">
+              <a:buNone/>
+            </a:pPr>
+            <a:endParaRPr lang="en-IN" sz="2000" b="1" dirty="0">
+              <a:latin typeface="Times New Roman" panose="02020603050405020304" pitchFamily="18" charset="0"/>
+              <a:cs typeface="Times New Roman" panose="02020603050405020304" pitchFamily="18" charset="0"/>
+            </a:endParaRPr>
+          </a:p>
+          <a:p>
+            <a:pPr marL="0" indent="0">
+              <a:buNone/>
+            </a:pPr>
+            <a:endParaRPr lang="en-IN" sz="2000" b="1" dirty="0">
+              <a:latin typeface="Times New Roman" panose="02020603050405020304" pitchFamily="18" charset="0"/>
+              <a:cs typeface="Times New Roman" panose="02020603050405020304" pitchFamily="18" charset="0"/>
+            </a:endParaRPr>
+          </a:p>
+          <a:p>
+            <a:pPr marL="0" indent="0">
+              <a:buNone/>
+            </a:pPr>
+            <a:endParaRPr lang="en-IN" sz="2000" b="1" dirty="0">
+              <a:latin typeface="Times New Roman" panose="02020603050405020304" pitchFamily="18" charset="0"/>
+              <a:cs typeface="Times New Roman" panose="02020603050405020304" pitchFamily="18" charset="0"/>
+            </a:endParaRPr>
+          </a:p>
+          <a:p>
+            <a:pPr marL="0" indent="0">
+              <a:buNone/>
+            </a:pPr>
+            <a:endParaRPr lang="en-IN" sz="2000" b="1" dirty="0">
+              <a:latin typeface="Times New Roman" panose="02020603050405020304" pitchFamily="18" charset="0"/>
+              <a:cs typeface="Times New Roman" panose="02020603050405020304" pitchFamily="18" charset="0"/>
+            </a:endParaRPr>
+          </a:p>
+          <a:p>
+            <a:pPr marL="0" indent="0">
+              <a:buNone/>
+            </a:pPr>
+            <a:endParaRPr lang="en-IN" sz="2000" dirty="0">
+              <a:latin typeface="Times New Roman" panose="02020603050405020304" pitchFamily="18" charset="0"/>
+              <a:cs typeface="Times New Roman" panose="02020603050405020304" pitchFamily="18" charset="0"/>
+            </a:endParaRPr>
+          </a:p>
+          <a:p>
+            <a:pPr marL="0" indent="0">
+              <a:buNone/>
+            </a:pPr>
+            <a:endParaRPr lang="en-IN" dirty="0"/>
+          </a:p>
+        </p:txBody>
+      </p:sp>
+      <p:pic>
+        <p:nvPicPr>
+          <p:cNvPr id="5" name="Picture 4">
+            <a:extLst>
+              <a:ext uri="{FF2B5EF4-FFF2-40B4-BE49-F238E27FC236}">
+                <a16:creationId xmlns:a16="http://schemas.microsoft.com/office/drawing/2014/main" id="{5C14BEE5-FB3A-6982-F775-FAD9EA82F3D9}"/>
+              </a:ext>
+            </a:extLst>
+          </p:cNvPr>
+          <p:cNvPicPr>
+            <a:picLocks noChangeAspect="1"/>
+          </p:cNvPicPr>
+          <p:nvPr/>
+        </p:nvPicPr>
+        <p:blipFill>
+          <a:blip r:embed="rId2"/>
+          <a:stretch>
+            <a:fillRect/>
+          </a:stretch>
+        </p:blipFill>
+        <p:spPr>
+          <a:xfrm>
+            <a:off x="3177367" y="3834581"/>
+            <a:ext cx="5406194" cy="2890684"/>
+          </a:xfrm>
+          <a:prstGeom prst="rect">
+            <a:avLst/>
+          </a:prstGeom>
+        </p:spPr>
+      </p:pic>
+    </p:spTree>
+    <p:extLst>
+      <p:ext uri="{BB962C8B-B14F-4D97-AF65-F5344CB8AC3E}">
+        <p14:creationId xmlns:p14="http://schemas.microsoft.com/office/powerpoint/2010/main" val="3179844951"/>
+      </p:ext>
+    </p:extLst>
+  </p:cSld>
+  <p:clrMapOvr>
+    <a:masterClrMapping/>
+  </p:clrMapOvr>
+</p:sld>
+</file>
+
+<file path=ppt/slides/slide5.xml><?xml version="1.0" encoding="utf-8"?>
+<p:sld xmlns:a="http://schemas.openxmlformats.org/drawingml/2006/main" xmlns:r="http://schemas.openxmlformats.org/officeDocument/2006/relationships" xmlns:p="http://schemas.openxmlformats.org/presentationml/2006/main">
+  <p:cSld>
+    <p:spTree>
+      <p:nvGrpSpPr>
+        <p:cNvPr id="1" name=""/>
+        <p:cNvGrpSpPr/>
+        <p:nvPr/>
+      </p:nvGrpSpPr>
+      <p:grpSpPr>
+        <a:xfrm>
+          <a:off x="0" y="0"/>
+          <a:ext cx="0" cy="0"/>
+          <a:chOff x="0" y="0"/>
+          <a:chExt cx="0" cy="0"/>
+        </a:xfrm>
+      </p:grpSpPr>
+      <p:sp>
+        <p:nvSpPr>
+          <p:cNvPr id="2" name="Title 1">
+            <a:extLst>
+              <a:ext uri="{FF2B5EF4-FFF2-40B4-BE49-F238E27FC236}">
+                <a16:creationId xmlns:a16="http://schemas.microsoft.com/office/drawing/2014/main" id="{692AE992-A72A-ACD2-D419-E4C9B4951AA4}"/>
+              </a:ext>
+            </a:extLst>
+          </p:cNvPr>
+          <p:cNvSpPr>
+            <a:spLocks noGrp="1"/>
+          </p:cNvSpPr>
+          <p:nvPr>
+            <p:ph type="title"/>
+          </p:nvPr>
+        </p:nvSpPr>
+        <p:spPr/>
+        <p:txBody>
+          <a:bodyPr/>
+          <a:lstStyle/>
+          <a:p>
+            <a:r>
+              <a:rPr lang="en-IN" b="1" dirty="0"/>
+              <a:t>Working of a DSMAC</a:t>
+            </a:r>
+            <a:endParaRPr lang="en-IN" dirty="0"/>
+          </a:p>
+        </p:txBody>
+      </p:sp>
+      <p:sp>
+        <p:nvSpPr>
+          <p:cNvPr id="3" name="Content Placeholder 2">
+            <a:extLst>
+              <a:ext uri="{FF2B5EF4-FFF2-40B4-BE49-F238E27FC236}">
+                <a16:creationId xmlns:a16="http://schemas.microsoft.com/office/drawing/2014/main" id="{877537F1-7922-DA04-1631-E8EB3B281C7C}"/>
+              </a:ext>
+            </a:extLst>
+          </p:cNvPr>
+          <p:cNvSpPr>
+            <a:spLocks noGrp="1"/>
+          </p:cNvSpPr>
+          <p:nvPr>
+            <p:ph idx="1"/>
+          </p:nvPr>
+        </p:nvSpPr>
+        <p:spPr>
+          <a:xfrm>
+            <a:off x="838200" y="2104103"/>
+            <a:ext cx="10515600" cy="4072860"/>
+          </a:xfrm>
+        </p:spPr>
+        <p:txBody>
+          <a:bodyPr/>
+          <a:lstStyle/>
+          <a:p>
+            <a:pPr marL="0" indent="0">
+              <a:buNone/>
+            </a:pPr>
+            <a:r>
+              <a:rPr lang="en-IN" sz="2000" b="1" dirty="0">
+                <a:latin typeface="Times New Roman" panose="02020603050405020304" pitchFamily="18" charset="0"/>
+                <a:cs typeface="Times New Roman" panose="02020603050405020304" pitchFamily="18" charset="0"/>
+              </a:rPr>
+              <a:t>4. Correlation:</a:t>
+            </a:r>
+            <a:r>
+              <a:rPr lang="en-IN" sz="2000" dirty="0">
+                <a:latin typeface="Times New Roman" panose="02020603050405020304" pitchFamily="18" charset="0"/>
+                <a:cs typeface="Times New Roman" panose="02020603050405020304" pitchFamily="18" charset="0"/>
+              </a:rPr>
+              <a:t> The system that compares the extracted features from the live images with those from the map, calculating a “correlation score” to determine the best match.</a:t>
+            </a:r>
+          </a:p>
+          <a:p>
+            <a:pPr marL="0" indent="0">
+              <a:buNone/>
+            </a:pPr>
+            <a:endParaRPr lang="en-IN" sz="2000" dirty="0">
+              <a:latin typeface="Times New Roman" panose="02020603050405020304" pitchFamily="18" charset="0"/>
+              <a:cs typeface="Times New Roman" panose="02020603050405020304" pitchFamily="18" charset="0"/>
+            </a:endParaRPr>
+          </a:p>
+          <a:p>
+            <a:pPr marL="0" indent="0">
+              <a:buNone/>
+            </a:pPr>
+            <a:r>
+              <a:rPr lang="en-IN" sz="2000" b="1" dirty="0">
+                <a:latin typeface="Times New Roman" panose="02020603050405020304" pitchFamily="18" charset="0"/>
+                <a:cs typeface="Times New Roman" panose="02020603050405020304" pitchFamily="18" charset="0"/>
+              </a:rPr>
+              <a:t>5. Position Correlation:</a:t>
+            </a:r>
+            <a:r>
+              <a:rPr lang="en-IN" sz="2000" dirty="0">
+                <a:latin typeface="Times New Roman" panose="02020603050405020304" pitchFamily="18" charset="0"/>
+                <a:cs typeface="Times New Roman" panose="02020603050405020304" pitchFamily="18" charset="0"/>
+              </a:rPr>
+              <a:t> Based on correlation results, the drone can determine it’s precise location and make corrections to it’s flight path, potentially even compensating for GPS errors and jamming.</a:t>
+            </a:r>
+          </a:p>
+          <a:p>
+            <a:pPr marL="0" indent="0">
+              <a:buNone/>
+            </a:pPr>
+            <a:endParaRPr lang="en-IN" dirty="0"/>
+          </a:p>
+        </p:txBody>
+      </p:sp>
+    </p:spTree>
+    <p:extLst>
+      <p:ext uri="{BB962C8B-B14F-4D97-AF65-F5344CB8AC3E}">
+        <p14:creationId xmlns:p14="http://schemas.microsoft.com/office/powerpoint/2010/main" val="449304638"/>
+      </p:ext>
+    </p:extLst>
+  </p:cSld>
+  <p:clrMapOvr>
+    <a:masterClrMapping/>
+  </p:clrMapOvr>
+</p:sld>
+</file>
+
+<file path=ppt/slides/slide6.xml><?xml version="1.0" encoding="utf-8"?>
+<p:sld xmlns:a="http://schemas.openxmlformats.org/drawingml/2006/main" xmlns:r="http://schemas.openxmlformats.org/officeDocument/2006/relationships" xmlns:p="http://schemas.openxmlformats.org/presentationml/2006/main">
+  <p:cSld>
+    <p:spTree>
+      <p:nvGrpSpPr>
+        <p:cNvPr id="1" name=""/>
+        <p:cNvGrpSpPr/>
+        <p:nvPr/>
+      </p:nvGrpSpPr>
+      <p:grpSpPr>
+        <a:xfrm>
+          <a:off x="0" y="0"/>
+          <a:ext cx="0" cy="0"/>
+          <a:chOff x="0" y="0"/>
+          <a:chExt cx="0" cy="0"/>
+        </a:xfrm>
+      </p:grpSpPr>
+      <p:sp>
+        <p:nvSpPr>
+          <p:cNvPr id="2" name="Title 1">
+            <a:extLst>
+              <a:ext uri="{FF2B5EF4-FFF2-40B4-BE49-F238E27FC236}">
                 <a16:creationId xmlns:a16="http://schemas.microsoft.com/office/drawing/2014/main" id="{635858E3-00EF-9886-7436-ECB54B4B4187}"/>
               </a:ext>
             </a:extLst>
@@ -4531,7 +5124,7 @@
 </p:sld>
 </file>
 
-<file path=ppt/slides/slide5.xml><?xml version="1.0" encoding="utf-8"?>
+<file path=ppt/slides/slide7.xml><?xml version="1.0" encoding="utf-8"?>
 <p:sld xmlns:a="http://schemas.openxmlformats.org/drawingml/2006/main" xmlns:r="http://schemas.openxmlformats.org/officeDocument/2006/relationships" xmlns:p="http://schemas.openxmlformats.org/presentationml/2006/main">
   <p:cSld>
     <p:spTree>
@@ -6067,390 +6660,6 @@
 </p:sld>
 </file>
 
-<file path=ppt/slides/slide6.xml><?xml version="1.0" encoding="utf-8"?>
-<p:sld xmlns:a="http://schemas.openxmlformats.org/drawingml/2006/main" xmlns:r="http://schemas.openxmlformats.org/officeDocument/2006/relationships" xmlns:p="http://schemas.openxmlformats.org/presentationml/2006/main">
-  <p:cSld>
-    <p:spTree>
-      <p:nvGrpSpPr>
-        <p:cNvPr id="1" name=""/>
-        <p:cNvGrpSpPr/>
-        <p:nvPr/>
-      </p:nvGrpSpPr>
-      <p:grpSpPr>
-        <a:xfrm>
-          <a:off x="0" y="0"/>
-          <a:ext cx="0" cy="0"/>
-          <a:chOff x="0" y="0"/>
-          <a:chExt cx="0" cy="0"/>
-        </a:xfrm>
-      </p:grpSpPr>
-      <p:sp>
-        <p:nvSpPr>
-          <p:cNvPr id="2" name="Title 1">
-            <a:extLst>
-              <a:ext uri="{FF2B5EF4-FFF2-40B4-BE49-F238E27FC236}">
-                <a16:creationId xmlns:a16="http://schemas.microsoft.com/office/drawing/2014/main" id="{2DCBC209-5310-FB1A-60F1-81DD0D47C0C8}"/>
-              </a:ext>
-            </a:extLst>
-          </p:cNvPr>
-          <p:cNvSpPr>
-            <a:spLocks noGrp="1"/>
-          </p:cNvSpPr>
-          <p:nvPr>
-            <p:ph type="title"/>
-          </p:nvPr>
-        </p:nvSpPr>
-        <p:spPr>
-          <a:xfrm>
-            <a:off x="1069848" y="176982"/>
-            <a:ext cx="10058400" cy="1012722"/>
-          </a:xfrm>
-        </p:spPr>
-        <p:txBody>
-          <a:bodyPr/>
-          <a:lstStyle/>
-          <a:p>
-            <a:r>
-              <a:rPr lang="en-IN" b="1" dirty="0"/>
-              <a:t>Newer approaches</a:t>
-            </a:r>
-          </a:p>
-        </p:txBody>
-      </p:sp>
-      <p:sp>
-        <p:nvSpPr>
-          <p:cNvPr id="3" name="Content Placeholder 2">
-            <a:extLst>
-              <a:ext uri="{FF2B5EF4-FFF2-40B4-BE49-F238E27FC236}">
-                <a16:creationId xmlns:a16="http://schemas.microsoft.com/office/drawing/2014/main" id="{9C5C970C-9215-BD8F-B3B2-8E4DF1DB274A}"/>
-              </a:ext>
-            </a:extLst>
-          </p:cNvPr>
-          <p:cNvSpPr>
-            <a:spLocks noGrp="1"/>
-          </p:cNvSpPr>
-          <p:nvPr>
-            <p:ph idx="1"/>
-          </p:nvPr>
-        </p:nvSpPr>
-        <p:spPr>
-          <a:xfrm>
-            <a:off x="1069848" y="1327355"/>
-            <a:ext cx="10058400" cy="5191432"/>
-          </a:xfrm>
-        </p:spPr>
-        <p:txBody>
-          <a:bodyPr>
-            <a:normAutofit fontScale="70000" lnSpcReduction="20000"/>
-          </a:bodyPr>
-          <a:lstStyle/>
-          <a:p>
-            <a:r>
-              <a:rPr lang="en-US" b="1" dirty="0">
-                <a:latin typeface="Times New Roman" panose="02020603050405020304" pitchFamily="18" charset="0"/>
-                <a:cs typeface="Times New Roman" panose="02020603050405020304" pitchFamily="18" charset="0"/>
-              </a:rPr>
-              <a:t>Feature-Based Matching:</a:t>
-            </a:r>
-          </a:p>
-          <a:p>
-            <a:pPr marL="0" indent="0">
-              <a:buNone/>
-            </a:pPr>
-            <a:endParaRPr lang="en-US" b="1" dirty="0">
-              <a:latin typeface="Times New Roman" panose="02020603050405020304" pitchFamily="18" charset="0"/>
-              <a:cs typeface="Times New Roman" panose="02020603050405020304" pitchFamily="18" charset="0"/>
-            </a:endParaRPr>
-          </a:p>
-          <a:p>
-            <a:pPr>
-              <a:buFont typeface="Courier New" panose="02070309020205020404" pitchFamily="49" charset="0"/>
-              <a:buChar char="o"/>
-            </a:pPr>
-            <a:r>
-              <a:rPr lang="en-US" b="1" dirty="0">
-                <a:latin typeface="Times New Roman" panose="02020603050405020304" pitchFamily="18" charset="0"/>
-                <a:cs typeface="Times New Roman" panose="02020603050405020304" pitchFamily="18" charset="0"/>
-              </a:rPr>
-              <a:t>Idea:</a:t>
-            </a:r>
-            <a:r>
-              <a:rPr lang="en-US" dirty="0">
-                <a:latin typeface="Times New Roman" panose="02020603050405020304" pitchFamily="18" charset="0"/>
-                <a:cs typeface="Times New Roman" panose="02020603050405020304" pitchFamily="18" charset="0"/>
-              </a:rPr>
-              <a:t> Instead of comparing raw pixel areas, this approach extracts and matches distinctive "key points" (like corners, edges) and their unique "descriptors".   </a:t>
-            </a:r>
-          </a:p>
-          <a:p>
-            <a:pPr marL="0" indent="0">
-              <a:buNone/>
-            </a:pPr>
-            <a:endParaRPr lang="en-US" dirty="0">
-              <a:latin typeface="Times New Roman" panose="02020603050405020304" pitchFamily="18" charset="0"/>
-              <a:cs typeface="Times New Roman" panose="02020603050405020304" pitchFamily="18" charset="0"/>
-            </a:endParaRPr>
-          </a:p>
-          <a:p>
-            <a:pPr>
-              <a:buFont typeface="Courier New" panose="02070309020205020404" pitchFamily="49" charset="0"/>
-              <a:buChar char="o"/>
-            </a:pPr>
-            <a:r>
-              <a:rPr lang="en-US" b="1" dirty="0">
-                <a:latin typeface="Times New Roman" panose="02020603050405020304" pitchFamily="18" charset="0"/>
-                <a:cs typeface="Times New Roman" panose="02020603050405020304" pitchFamily="18" charset="0"/>
-              </a:rPr>
-              <a:t>Algorithms:</a:t>
-            </a:r>
-          </a:p>
-          <a:p>
-            <a:pPr marL="457200" indent="-457200">
-              <a:buFont typeface="+mj-lt"/>
-              <a:buAutoNum type="arabicPeriod"/>
-            </a:pPr>
-            <a:r>
-              <a:rPr lang="en-US" dirty="0">
-                <a:latin typeface="Times New Roman" panose="02020603050405020304" pitchFamily="18" charset="0"/>
-                <a:cs typeface="Times New Roman" panose="02020603050405020304" pitchFamily="18" charset="0"/>
-              </a:rPr>
-              <a:t>SIFT (Scale-Invariant Feature Transform): A pioneering algorithm known for its robustness to scale, rotation, translation, illumination changes, and blur.   </a:t>
-            </a:r>
-          </a:p>
-          <a:p>
-            <a:pPr marL="457200" indent="-457200">
-              <a:buFont typeface="+mj-lt"/>
-              <a:buAutoNum type="arabicPeriod"/>
-            </a:pPr>
-            <a:r>
-              <a:rPr lang="en-US" dirty="0">
-                <a:latin typeface="Times New Roman" panose="02020603050405020304" pitchFamily="18" charset="0"/>
-                <a:cs typeface="Times New Roman" panose="02020603050405020304" pitchFamily="18" charset="0"/>
-              </a:rPr>
-              <a:t>SURF (Speeded-Up Robust Features): Similar to SIFT but generally faster, also robust to various transformations.</a:t>
-            </a:r>
-          </a:p>
-          <a:p>
-            <a:pPr marL="457200" indent="-457200">
-              <a:buFont typeface="+mj-lt"/>
-              <a:buAutoNum type="arabicPeriod"/>
-            </a:pPr>
-            <a:r>
-              <a:rPr lang="en-US" dirty="0">
-                <a:latin typeface="Times New Roman" panose="02020603050405020304" pitchFamily="18" charset="0"/>
-                <a:cs typeface="Times New Roman" panose="02020603050405020304" pitchFamily="18" charset="0"/>
-              </a:rPr>
-              <a:t>ORB (Oriented FAST and Rotated BRIEF): </a:t>
-            </a:r>
-            <a:r>
-              <a:rPr lang="en-IN" dirty="0">
-                <a:latin typeface="Times New Roman" panose="02020603050405020304" pitchFamily="18" charset="0"/>
-                <a:cs typeface="Times New Roman" panose="02020603050405020304" pitchFamily="18" charset="0"/>
-              </a:rPr>
-              <a:t>Free, fast, and efficient alternative to SIFT/SURF. </a:t>
-            </a:r>
-          </a:p>
-          <a:p>
-            <a:pPr marL="0" indent="0">
-              <a:buNone/>
-            </a:pPr>
-            <a:r>
-              <a:rPr lang="en-IN" dirty="0">
-                <a:latin typeface="Times New Roman" panose="02020603050405020304" pitchFamily="18" charset="0"/>
-                <a:cs typeface="Times New Roman" panose="02020603050405020304" pitchFamily="18" charset="0"/>
-              </a:rPr>
-              <a:t>     Combines:</a:t>
-            </a:r>
-          </a:p>
-          <a:p>
-            <a:pPr marL="0" indent="0">
-              <a:buNone/>
-            </a:pPr>
-            <a:r>
-              <a:rPr lang="en-IN" b="1" dirty="0">
-                <a:latin typeface="Times New Roman" panose="02020603050405020304" pitchFamily="18" charset="0"/>
-                <a:cs typeface="Times New Roman" panose="02020603050405020304" pitchFamily="18" charset="0"/>
-              </a:rPr>
-              <a:t>      </a:t>
-            </a:r>
-            <a:r>
-              <a:rPr lang="en-IN" dirty="0">
-                <a:latin typeface="Times New Roman" panose="02020603050405020304" pitchFamily="18" charset="0"/>
-                <a:cs typeface="Times New Roman" panose="02020603050405020304" pitchFamily="18" charset="0"/>
-              </a:rPr>
-              <a:t>1. FAST (Features from Accelerated Segment Test) for key point detection.</a:t>
-            </a:r>
-          </a:p>
-          <a:p>
-            <a:pPr marL="0" indent="0">
-              <a:buNone/>
-            </a:pPr>
-            <a:r>
-              <a:rPr lang="en-IN" b="1" dirty="0">
-                <a:latin typeface="Times New Roman" panose="02020603050405020304" pitchFamily="18" charset="0"/>
-                <a:cs typeface="Times New Roman" panose="02020603050405020304" pitchFamily="18" charset="0"/>
-              </a:rPr>
-              <a:t>      </a:t>
-            </a:r>
-            <a:r>
-              <a:rPr lang="en-IN" dirty="0">
-                <a:latin typeface="Times New Roman" panose="02020603050405020304" pitchFamily="18" charset="0"/>
-                <a:cs typeface="Times New Roman" panose="02020603050405020304" pitchFamily="18" charset="0"/>
-              </a:rPr>
-              <a:t>2. BRIEF (Binary Robust Independent Elementary Features) for descriptors.</a:t>
-            </a:r>
-          </a:p>
-          <a:p>
-            <a:pPr marL="0" indent="0">
-              <a:buNone/>
-            </a:pPr>
-            <a:r>
-              <a:rPr lang="en-IN" dirty="0">
-                <a:latin typeface="Times New Roman" panose="02020603050405020304" pitchFamily="18" charset="0"/>
-                <a:cs typeface="Times New Roman" panose="02020603050405020304" pitchFamily="18" charset="0"/>
-              </a:rPr>
-              <a:t>      3. Adds rotation invariance &amp; noise resistance.</a:t>
-            </a:r>
-          </a:p>
-          <a:p>
-            <a:pPr marL="0" indent="0">
-              <a:buNone/>
-            </a:pPr>
-            <a:endParaRPr lang="en-IN" dirty="0">
-              <a:latin typeface="Times New Roman" panose="02020603050405020304" pitchFamily="18" charset="0"/>
-              <a:cs typeface="Times New Roman" panose="02020603050405020304" pitchFamily="18" charset="0"/>
-            </a:endParaRPr>
-          </a:p>
-        </p:txBody>
-      </p:sp>
-    </p:spTree>
-    <p:extLst>
-      <p:ext uri="{BB962C8B-B14F-4D97-AF65-F5344CB8AC3E}">
-        <p14:creationId xmlns:p14="http://schemas.microsoft.com/office/powerpoint/2010/main" val="2904101749"/>
-      </p:ext>
-    </p:extLst>
-  </p:cSld>
-  <p:clrMapOvr>
-    <a:masterClrMapping/>
-  </p:clrMapOvr>
-</p:sld>
-</file>
-
-<file path=ppt/slides/slide7.xml><?xml version="1.0" encoding="utf-8"?>
-<p:sld xmlns:a="http://schemas.openxmlformats.org/drawingml/2006/main" xmlns:r="http://schemas.openxmlformats.org/officeDocument/2006/relationships" xmlns:p="http://schemas.openxmlformats.org/presentationml/2006/main">
-  <p:cSld>
-    <p:spTree>
-      <p:nvGrpSpPr>
-        <p:cNvPr id="1" name=""/>
-        <p:cNvGrpSpPr/>
-        <p:nvPr/>
-      </p:nvGrpSpPr>
-      <p:grpSpPr>
-        <a:xfrm>
-          <a:off x="0" y="0"/>
-          <a:ext cx="0" cy="0"/>
-          <a:chOff x="0" y="0"/>
-          <a:chExt cx="0" cy="0"/>
-        </a:xfrm>
-      </p:grpSpPr>
-      <p:sp>
-        <p:nvSpPr>
-          <p:cNvPr id="2" name="Title 1">
-            <a:extLst>
-              <a:ext uri="{FF2B5EF4-FFF2-40B4-BE49-F238E27FC236}">
-                <a16:creationId xmlns:a16="http://schemas.microsoft.com/office/drawing/2014/main" id="{09B5AAFB-BD32-CC5F-97DB-006B31149743}"/>
-              </a:ext>
-            </a:extLst>
-          </p:cNvPr>
-          <p:cNvSpPr>
-            <a:spLocks noGrp="1"/>
-          </p:cNvSpPr>
-          <p:nvPr>
-            <p:ph type="title"/>
-          </p:nvPr>
-        </p:nvSpPr>
-        <p:spPr>
-          <a:xfrm>
-            <a:off x="838200" y="365125"/>
-            <a:ext cx="10419736" cy="1247365"/>
-          </a:xfrm>
-        </p:spPr>
-        <p:txBody>
-          <a:bodyPr>
-            <a:noAutofit/>
-          </a:bodyPr>
-          <a:lstStyle/>
-          <a:p>
-            <a:r>
-              <a:rPr lang="en-US" b="1" dirty="0"/>
-              <a:t>Literature Survey: </a:t>
-            </a:r>
-            <a:r>
-              <a:rPr lang="en-US" b="1" i="1" dirty="0"/>
-              <a:t>Image Processing for Tomahawk Scene Matching</a:t>
-            </a:r>
-            <a:endParaRPr lang="en-IN" b="1" dirty="0"/>
-          </a:p>
-        </p:txBody>
-      </p:sp>
-      <p:sp>
-        <p:nvSpPr>
-          <p:cNvPr id="3" name="Content Placeholder 2">
-            <a:extLst>
-              <a:ext uri="{FF2B5EF4-FFF2-40B4-BE49-F238E27FC236}">
-                <a16:creationId xmlns:a16="http://schemas.microsoft.com/office/drawing/2014/main" id="{3D160342-BF60-1081-B761-48A626D26AA5}"/>
-              </a:ext>
-            </a:extLst>
-          </p:cNvPr>
-          <p:cNvSpPr>
-            <a:spLocks noGrp="1"/>
-          </p:cNvSpPr>
-          <p:nvPr>
-            <p:ph idx="1"/>
-          </p:nvPr>
-        </p:nvSpPr>
-        <p:spPr>
-          <a:xfrm>
-            <a:off x="838200" y="2113935"/>
-            <a:ext cx="10515600" cy="4513006"/>
-          </a:xfrm>
-        </p:spPr>
-        <p:txBody>
-          <a:bodyPr>
-            <a:normAutofit/>
-          </a:bodyPr>
-          <a:lstStyle/>
-          <a:p>
-            <a:pPr marL="0" indent="0">
-              <a:buNone/>
-            </a:pPr>
-            <a:r>
-              <a:rPr lang="en-US" sz="1800" dirty="0">
-                <a:latin typeface="Times New Roman" panose="02020603050405020304" pitchFamily="18" charset="0"/>
-                <a:cs typeface="Times New Roman" panose="02020603050405020304" pitchFamily="18" charset="0"/>
-              </a:rPr>
-              <a:t>The literature on Tomahawk’s Digital Scene Matching Area Correlator (DSMAC) shows its evolution from Block II, which relied on analog preprocessing and thresholded “voting” across frames, to Block IIA, which introduced all-digital filtering, inertial-aided geometric shifting, and the innovative correlation addition technique that reinforced true peaks across multiple frames for higher reliability. Research highlights the importance of reference map preparation—through geodetic control, warping, resolution reduction, filtering, and binarization—and flight-frame processing using short exposures, filtering, and binary conversion to ensure robust correlation. Analytical models (Mostafavi &amp; Smith, Criss, Jordan) were developed for predicting correlation loss from geometric distortion, noise, and perspective changes, while tools like Analyst and Compare enabled scene stability analysis, shadow suppression, and map maintenance. Despite improvements, studies found that forecast models often underestimated geometric/perspective losses, underscoring the need for refined modeling and adaptive algorithms. Overall, this body of work established DSMAC as a reliable precision-guidance aid, extending operational capability across varying conditions while minimizing collateral damage.</a:t>
-            </a:r>
-            <a:endParaRPr lang="en-IN" sz="1800" dirty="0">
-              <a:latin typeface="Times New Roman" panose="02020603050405020304" pitchFamily="18" charset="0"/>
-              <a:cs typeface="Times New Roman" panose="02020603050405020304" pitchFamily="18" charset="0"/>
-            </a:endParaRPr>
-          </a:p>
-        </p:txBody>
-      </p:sp>
-    </p:spTree>
-    <p:extLst>
-      <p:ext uri="{BB962C8B-B14F-4D97-AF65-F5344CB8AC3E}">
-        <p14:creationId xmlns:p14="http://schemas.microsoft.com/office/powerpoint/2010/main" val="34135761"/>
-      </p:ext>
-    </p:extLst>
-  </p:cSld>
-  <p:clrMapOvr>
-    <a:masterClrMapping/>
-  </p:clrMapOvr>
-</p:sld>
-</file>
-
 <file path=ppt/slides/slide8.xml><?xml version="1.0" encoding="utf-8"?>
 <p:sld xmlns:a="http://schemas.openxmlformats.org/drawingml/2006/main" xmlns:r="http://schemas.openxmlformats.org/officeDocument/2006/relationships" xmlns:p="http://schemas.openxmlformats.org/presentationml/2006/main">
   <p:cSld>
@@ -6473,7 +6682,7 @@
           <p:cNvPr id="2" name="Title 1">
             <a:extLst>
               <a:ext uri="{FF2B5EF4-FFF2-40B4-BE49-F238E27FC236}">
-                <a16:creationId xmlns:a16="http://schemas.microsoft.com/office/drawing/2014/main" id="{43B73FDC-AA21-14B0-C64A-CE71F1A96365}"/>
+                <a16:creationId xmlns:a16="http://schemas.microsoft.com/office/drawing/2014/main" id="{2DCBC209-5310-FB1A-60F1-81DD0D47C0C8}"/>
               </a:ext>
             </a:extLst>
           </p:cNvPr>
@@ -6486,99 +6695,231 @@
         </p:nvSpPr>
         <p:spPr>
           <a:xfrm>
-            <a:off x="838200" y="365125"/>
-            <a:ext cx="10515600" cy="618101"/>
+            <a:off x="1069848" y="176982"/>
+            <a:ext cx="10058400" cy="1012722"/>
           </a:xfrm>
         </p:spPr>
         <p:txBody>
+          <a:bodyPr/>
+          <a:lstStyle/>
+          <a:p>
+            <a:r>
+              <a:rPr lang="en-IN" b="1" dirty="0"/>
+              <a:t>Newer approaches</a:t>
+            </a:r>
+          </a:p>
+        </p:txBody>
+      </p:sp>
+      <p:sp>
+        <p:nvSpPr>
+          <p:cNvPr id="3" name="Content Placeholder 2">
+            <a:extLst>
+              <a:ext uri="{FF2B5EF4-FFF2-40B4-BE49-F238E27FC236}">
+                <a16:creationId xmlns:a16="http://schemas.microsoft.com/office/drawing/2014/main" id="{9C5C970C-9215-BD8F-B3B2-8E4DF1DB274A}"/>
+              </a:ext>
+            </a:extLst>
+          </p:cNvPr>
+          <p:cNvSpPr>
+            <a:spLocks noGrp="1"/>
+          </p:cNvSpPr>
+          <p:nvPr>
+            <p:ph idx="1"/>
+          </p:nvPr>
+        </p:nvSpPr>
+        <p:spPr>
+          <a:xfrm>
+            <a:off x="1069848" y="1327355"/>
+            <a:ext cx="10058400" cy="5191432"/>
+          </a:xfrm>
+        </p:spPr>
+        <p:txBody>
           <a:bodyPr>
-            <a:normAutofit fontScale="90000"/>
+            <a:normAutofit fontScale="70000" lnSpcReduction="20000"/>
           </a:bodyPr>
           <a:lstStyle/>
           <a:p>
             <a:r>
-              <a:rPr lang="en-IN" b="1" dirty="0"/>
-              <a:t>Progress</a:t>
-            </a:r>
-          </a:p>
-        </p:txBody>
-      </p:sp>
-      <p:sp>
-        <p:nvSpPr>
-          <p:cNvPr id="3" name="Content Placeholder 2">
-            <a:extLst>
-              <a:ext uri="{FF2B5EF4-FFF2-40B4-BE49-F238E27FC236}">
-                <a16:creationId xmlns:a16="http://schemas.microsoft.com/office/drawing/2014/main" id="{D3707459-1449-3BC4-8B9A-6C7DCB0DB634}"/>
-              </a:ext>
-            </a:extLst>
-          </p:cNvPr>
-          <p:cNvSpPr>
-            <a:spLocks noGrp="1"/>
-          </p:cNvSpPr>
-          <p:nvPr>
-            <p:ph idx="1"/>
-          </p:nvPr>
-        </p:nvSpPr>
-        <p:spPr>
-          <a:xfrm>
-            <a:off x="838200" y="1435510"/>
-            <a:ext cx="10515600" cy="4741453"/>
-          </a:xfrm>
-        </p:spPr>
-        <p:txBody>
-          <a:bodyPr/>
-          <a:lstStyle/>
-          <a:p>
-            <a:r>
-              <a:rPr lang="en-IN" dirty="0"/>
-              <a:t>Downloaded datasets.</a:t>
+              <a:rPr lang="en-US" b="1" dirty="0">
+                <a:latin typeface="Times New Roman" panose="02020603050405020304" pitchFamily="18" charset="0"/>
+                <a:cs typeface="Times New Roman" panose="02020603050405020304" pitchFamily="18" charset="0"/>
+              </a:rPr>
+              <a:t>Feature-Based Matching:</a:t>
             </a:r>
           </a:p>
           <a:p>
             <a:pPr marL="0" indent="0">
               <a:buNone/>
             </a:pPr>
-            <a:endParaRPr lang="en-IN" dirty="0"/>
-          </a:p>
-          <a:p>
-            <a:r>
-              <a:rPr lang="en-IN" dirty="0"/>
-              <a:t>Pre-processed the data and applied normalization.</a:t>
+            <a:endParaRPr lang="en-US" b="1" dirty="0">
+              <a:latin typeface="Times New Roman" panose="02020603050405020304" pitchFamily="18" charset="0"/>
+              <a:cs typeface="Times New Roman" panose="02020603050405020304" pitchFamily="18" charset="0"/>
+            </a:endParaRPr>
+          </a:p>
+          <a:p>
+            <a:pPr>
+              <a:buFont typeface="Courier New" panose="02070309020205020404" pitchFamily="49" charset="0"/>
+              <a:buChar char="o"/>
+            </a:pPr>
+            <a:r>
+              <a:rPr lang="en-US" b="1" dirty="0">
+                <a:latin typeface="Times New Roman" panose="02020603050405020304" pitchFamily="18" charset="0"/>
+                <a:cs typeface="Times New Roman" panose="02020603050405020304" pitchFamily="18" charset="0"/>
+              </a:rPr>
+              <a:t>Idea:</a:t>
+            </a:r>
+            <a:r>
+              <a:rPr lang="en-US" dirty="0">
+                <a:latin typeface="Times New Roman" panose="02020603050405020304" pitchFamily="18" charset="0"/>
+                <a:cs typeface="Times New Roman" panose="02020603050405020304" pitchFamily="18" charset="0"/>
+              </a:rPr>
+              <a:t> Instead of comparing raw pixel areas, this approach extracts and matches distinctive "key points" (like corners, edges) and their unique "descriptors".   </a:t>
             </a:r>
           </a:p>
           <a:p>
             <a:pPr marL="0" indent="0">
               <a:buNone/>
             </a:pPr>
-            <a:endParaRPr lang="en-IN" dirty="0"/>
-          </a:p>
-          <a:p>
-            <a:r>
-              <a:rPr lang="en-IN" dirty="0"/>
-              <a:t>Studied traditional as well as newer area correlator methods.</a:t>
+            <a:endParaRPr lang="en-US" dirty="0">
+              <a:latin typeface="Times New Roman" panose="02020603050405020304" pitchFamily="18" charset="0"/>
+              <a:cs typeface="Times New Roman" panose="02020603050405020304" pitchFamily="18" charset="0"/>
+            </a:endParaRPr>
+          </a:p>
+          <a:p>
+            <a:pPr>
+              <a:buFont typeface="Courier New" panose="02070309020205020404" pitchFamily="49" charset="0"/>
+              <a:buChar char="o"/>
+            </a:pPr>
+            <a:r>
+              <a:rPr lang="en-US" b="1" dirty="0">
+                <a:latin typeface="Times New Roman" panose="02020603050405020304" pitchFamily="18" charset="0"/>
+                <a:cs typeface="Times New Roman" panose="02020603050405020304" pitchFamily="18" charset="0"/>
+              </a:rPr>
+              <a:t>Algorithms:</a:t>
+            </a:r>
+          </a:p>
+          <a:p>
+            <a:pPr marL="457200" indent="-457200">
+              <a:buFont typeface="+mj-lt"/>
+              <a:buAutoNum type="arabicPeriod"/>
+            </a:pPr>
+            <a:r>
+              <a:rPr lang="en-US" dirty="0">
+                <a:latin typeface="Times New Roman" panose="02020603050405020304" pitchFamily="18" charset="0"/>
+                <a:cs typeface="Times New Roman" panose="02020603050405020304" pitchFamily="18" charset="0"/>
+              </a:rPr>
+              <a:t>SIFT (Scale-Invariant Feature Transform): A pioneering algorithm known for its robustness to scale, rotation, translation, illumination changes, and blur.   </a:t>
+            </a:r>
+          </a:p>
+          <a:p>
+            <a:pPr marL="457200" indent="-457200">
+              <a:buFont typeface="+mj-lt"/>
+              <a:buAutoNum type="arabicPeriod"/>
+            </a:pPr>
+            <a:r>
+              <a:rPr lang="en-US" dirty="0">
+                <a:latin typeface="Times New Roman" panose="02020603050405020304" pitchFamily="18" charset="0"/>
+                <a:cs typeface="Times New Roman" panose="02020603050405020304" pitchFamily="18" charset="0"/>
+              </a:rPr>
+              <a:t>SURF (Speeded-Up Robust Features): Similar to SIFT but generally faster, also robust to various transformations.</a:t>
+            </a:r>
+          </a:p>
+          <a:p>
+            <a:pPr marL="457200" indent="-457200">
+              <a:buFont typeface="+mj-lt"/>
+              <a:buAutoNum type="arabicPeriod"/>
+            </a:pPr>
+            <a:r>
+              <a:rPr lang="en-US" dirty="0">
+                <a:latin typeface="Times New Roman" panose="02020603050405020304" pitchFamily="18" charset="0"/>
+                <a:cs typeface="Times New Roman" panose="02020603050405020304" pitchFamily="18" charset="0"/>
+              </a:rPr>
+              <a:t>ORB (Oriented FAST and Rotated BRIEF): </a:t>
+            </a:r>
+            <a:r>
+              <a:rPr lang="en-IN" dirty="0">
+                <a:latin typeface="Times New Roman" panose="02020603050405020304" pitchFamily="18" charset="0"/>
+                <a:cs typeface="Times New Roman" panose="02020603050405020304" pitchFamily="18" charset="0"/>
+              </a:rPr>
+              <a:t>Free, fast, and efficient alternative to SIFT/SURF. </a:t>
             </a:r>
           </a:p>
           <a:p>
             <a:pPr marL="0" indent="0">
               <a:buNone/>
             </a:pPr>
-            <a:endParaRPr lang="en-IN" dirty="0"/>
-          </a:p>
-          <a:p>
-            <a:r>
-              <a:rPr lang="en-IN" dirty="0"/>
-              <a:t>Identifying and studying new algorithms that can be applied to correlate between RGB spectrum and Infrared spectrum images.</a:t>
-            </a:r>
-          </a:p>
-          <a:p>
-            <a:endParaRPr lang="en-IN" dirty="0"/>
+            <a:r>
+              <a:rPr lang="en-IN" dirty="0">
+                <a:latin typeface="Times New Roman" panose="02020603050405020304" pitchFamily="18" charset="0"/>
+                <a:cs typeface="Times New Roman" panose="02020603050405020304" pitchFamily="18" charset="0"/>
+              </a:rPr>
+              <a:t>     Combines:</a:t>
+            </a:r>
+          </a:p>
+          <a:p>
+            <a:pPr marL="0" indent="0">
+              <a:buNone/>
+            </a:pPr>
+            <a:r>
+              <a:rPr lang="en-IN" b="1" dirty="0">
+                <a:latin typeface="Times New Roman" panose="02020603050405020304" pitchFamily="18" charset="0"/>
+                <a:cs typeface="Times New Roman" panose="02020603050405020304" pitchFamily="18" charset="0"/>
+              </a:rPr>
+              <a:t>      </a:t>
+            </a:r>
+            <a:r>
+              <a:rPr lang="en-IN" dirty="0">
+                <a:latin typeface="Times New Roman" panose="02020603050405020304" pitchFamily="18" charset="0"/>
+                <a:cs typeface="Times New Roman" panose="02020603050405020304" pitchFamily="18" charset="0"/>
+              </a:rPr>
+              <a:t>1. FAST (Features from Accelerated Segment Test) for key point detection.</a:t>
+            </a:r>
+          </a:p>
+          <a:p>
+            <a:pPr marL="0" indent="0">
+              <a:buNone/>
+            </a:pPr>
+            <a:r>
+              <a:rPr lang="en-IN" b="1" dirty="0">
+                <a:latin typeface="Times New Roman" panose="02020603050405020304" pitchFamily="18" charset="0"/>
+                <a:cs typeface="Times New Roman" panose="02020603050405020304" pitchFamily="18" charset="0"/>
+              </a:rPr>
+              <a:t>      </a:t>
+            </a:r>
+            <a:r>
+              <a:rPr lang="en-IN" dirty="0">
+                <a:latin typeface="Times New Roman" panose="02020603050405020304" pitchFamily="18" charset="0"/>
+                <a:cs typeface="Times New Roman" panose="02020603050405020304" pitchFamily="18" charset="0"/>
+              </a:rPr>
+              <a:t>2. BRIEF (Binary Robust Independent Elementary Features) for descriptors.</a:t>
+            </a:r>
+          </a:p>
+          <a:p>
+            <a:pPr marL="0" indent="0">
+              <a:buNone/>
+            </a:pPr>
+            <a:r>
+              <a:rPr lang="en-IN" dirty="0">
+                <a:latin typeface="Times New Roman" panose="02020603050405020304" pitchFamily="18" charset="0"/>
+                <a:cs typeface="Times New Roman" panose="02020603050405020304" pitchFamily="18" charset="0"/>
+              </a:rPr>
+              <a:t>      3. Adds rotation invariance &amp; noise resistance.</a:t>
+            </a:r>
+          </a:p>
+          <a:p>
+            <a:pPr marL="0" indent="0">
+              <a:buNone/>
+            </a:pPr>
+            <a:endParaRPr lang="en-IN" dirty="0">
+              <a:latin typeface="Times New Roman" panose="02020603050405020304" pitchFamily="18" charset="0"/>
+              <a:cs typeface="Times New Roman" panose="02020603050405020304" pitchFamily="18" charset="0"/>
+            </a:endParaRPr>
           </a:p>
         </p:txBody>
       </p:sp>
     </p:spTree>
     <p:extLst>
       <p:ext uri="{BB962C8B-B14F-4D97-AF65-F5344CB8AC3E}">
-        <p14:creationId xmlns:p14="http://schemas.microsoft.com/office/powerpoint/2010/main" val="1642787154"/>
+        <p14:creationId xmlns:p14="http://schemas.microsoft.com/office/powerpoint/2010/main" val="2904101749"/>
       </p:ext>
     </p:extLst>
   </p:cSld>
@@ -6610,7 +6951,7 @@
           <p:cNvPr id="2" name="Title 1">
             <a:extLst>
               <a:ext uri="{FF2B5EF4-FFF2-40B4-BE49-F238E27FC236}">
-                <a16:creationId xmlns:a16="http://schemas.microsoft.com/office/drawing/2014/main" id="{BB560A66-25A2-6FAD-B25E-C6A28B7DB39C}"/>
+                <a16:creationId xmlns:a16="http://schemas.microsoft.com/office/drawing/2014/main" id="{09B5AAFB-BD32-CC5F-97DB-006B31149743}"/>
               </a:ext>
             </a:extLst>
           </p:cNvPr>
@@ -6623,31 +6964,193 @@
         </p:nvSpPr>
         <p:spPr>
           <a:xfrm>
-            <a:off x="838200" y="2243086"/>
-            <a:ext cx="10515600" cy="1325563"/>
+            <a:off x="838200" y="365125"/>
+            <a:ext cx="10419736" cy="873740"/>
           </a:xfrm>
         </p:spPr>
         <p:txBody>
           <a:bodyPr>
-            <a:normAutofit/>
+            <a:noAutofit/>
           </a:bodyPr>
           <a:lstStyle/>
           <a:p>
-            <a:pPr algn="ctr"/>
-            <a:r>
-              <a:rPr lang="en-IN" sz="7200" b="1" dirty="0">
+            <a:r>
+              <a:rPr lang="en-US" b="1" dirty="0"/>
+              <a:t>Literature Survey</a:t>
+            </a:r>
+            <a:endParaRPr lang="en-IN" b="1" dirty="0"/>
+          </a:p>
+        </p:txBody>
+      </p:sp>
+      <p:sp>
+        <p:nvSpPr>
+          <p:cNvPr id="3" name="Content Placeholder 2">
+            <a:extLst>
+              <a:ext uri="{FF2B5EF4-FFF2-40B4-BE49-F238E27FC236}">
+                <a16:creationId xmlns:a16="http://schemas.microsoft.com/office/drawing/2014/main" id="{3D160342-BF60-1081-B761-48A626D26AA5}"/>
+              </a:ext>
+            </a:extLst>
+          </p:cNvPr>
+          <p:cNvSpPr>
+            <a:spLocks noGrp="1"/>
+          </p:cNvSpPr>
+          <p:nvPr>
+            <p:ph idx="1"/>
+          </p:nvPr>
+        </p:nvSpPr>
+        <p:spPr>
+          <a:xfrm>
+            <a:off x="838200" y="1415845"/>
+            <a:ext cx="10515600" cy="5260257"/>
+          </a:xfrm>
+        </p:spPr>
+        <p:txBody>
+          <a:bodyPr>
+            <a:noAutofit/>
+          </a:bodyPr>
+          <a:lstStyle/>
+          <a:p>
+            <a:r>
+              <a:rPr lang="en-US" sz="2000" b="1" dirty="0">
                 <a:latin typeface="Times New Roman" panose="02020603050405020304" pitchFamily="18" charset="0"/>
                 <a:cs typeface="Times New Roman" panose="02020603050405020304" pitchFamily="18" charset="0"/>
               </a:rPr>
-              <a:t>Thank You</a:t>
-            </a:r>
+              <a:t>Evolution of DSMAC: </a:t>
+            </a:r>
+            <a:r>
+              <a:rPr lang="en-US" sz="2000" dirty="0">
+                <a:latin typeface="Times New Roman" panose="02020603050405020304" pitchFamily="18" charset="0"/>
+                <a:cs typeface="Times New Roman" panose="02020603050405020304" pitchFamily="18" charset="0"/>
+              </a:rPr>
+              <a:t>Early Block II systems used analog preprocessing and “voting” methods, while Block IIA introduced all-digital processing, inertial-aided shifting, and correlation addition for higher reliability.</a:t>
+            </a:r>
+          </a:p>
+          <a:p>
+            <a:r>
+              <a:rPr lang="en-US" sz="2000" b="1" dirty="0">
+                <a:latin typeface="Times New Roman" panose="02020603050405020304" pitchFamily="18" charset="0"/>
+                <a:cs typeface="Times New Roman" panose="02020603050405020304" pitchFamily="18" charset="0"/>
+              </a:rPr>
+              <a:t>Reference Map Preparation: </a:t>
+            </a:r>
+            <a:r>
+              <a:rPr lang="en-US" sz="2000" dirty="0">
+                <a:latin typeface="Times New Roman" panose="02020603050405020304" pitchFamily="18" charset="0"/>
+                <a:cs typeface="Times New Roman" panose="02020603050405020304" pitchFamily="18" charset="0"/>
+              </a:rPr>
+              <a:t>Geodetic control, warping, resolution reduction, filtering, and binarization were applied to generate stable, low-resolution binary reference maps.</a:t>
+            </a:r>
+          </a:p>
+          <a:p>
+            <a:r>
+              <a:rPr lang="en-US" sz="2000" b="1" dirty="0">
+                <a:latin typeface="Times New Roman" panose="02020603050405020304" pitchFamily="18" charset="0"/>
+                <a:cs typeface="Times New Roman" panose="02020603050405020304" pitchFamily="18" charset="0"/>
+              </a:rPr>
+              <a:t>In-flight Processing: </a:t>
+            </a:r>
+            <a:r>
+              <a:rPr lang="en-US" sz="2000" dirty="0">
+                <a:latin typeface="Times New Roman" panose="02020603050405020304" pitchFamily="18" charset="0"/>
+                <a:cs typeface="Times New Roman" panose="02020603050405020304" pitchFamily="18" charset="0"/>
+              </a:rPr>
+              <a:t>Sensed frames were filtered, resolution-reduced, and binarized to produce correlation surfaces, with short exposures minimizing motion blur.</a:t>
+            </a:r>
+          </a:p>
+          <a:p>
+            <a:r>
+              <a:rPr lang="en-US" sz="2000" b="1" dirty="0">
+                <a:latin typeface="Times New Roman" panose="02020603050405020304" pitchFamily="18" charset="0"/>
+                <a:cs typeface="Times New Roman" panose="02020603050405020304" pitchFamily="18" charset="0"/>
+              </a:rPr>
+              <a:t>Forecast Modeling: </a:t>
+            </a:r>
+            <a:r>
+              <a:rPr lang="en-US" sz="2000" dirty="0">
+                <a:latin typeface="Times New Roman" panose="02020603050405020304" pitchFamily="18" charset="0"/>
+                <a:cs typeface="Times New Roman" panose="02020603050405020304" pitchFamily="18" charset="0"/>
+              </a:rPr>
+              <a:t>Analytical models (Mostafavi &amp; Smith, Criss, Jordan) predicted correlation loss due to geometry, noise, and perspective; tools like Analyst and Compare supported shadow suppression, stability checks, and map maintenance.</a:t>
+            </a:r>
+          </a:p>
+          <a:p>
+            <a:r>
+              <a:rPr lang="en-US" sz="2000" b="1" dirty="0">
+                <a:latin typeface="Times New Roman" panose="02020603050405020304" pitchFamily="18" charset="0"/>
+                <a:cs typeface="Times New Roman" panose="02020603050405020304" pitchFamily="18" charset="0"/>
+              </a:rPr>
+              <a:t>Limitations &amp; Future Scope: </a:t>
+            </a:r>
+            <a:r>
+              <a:rPr lang="en-US" sz="2000" dirty="0">
+                <a:latin typeface="Times New Roman" panose="02020603050405020304" pitchFamily="18" charset="0"/>
+                <a:cs typeface="Times New Roman" panose="02020603050405020304" pitchFamily="18" charset="0"/>
+              </a:rPr>
+              <a:t>Forecast models often underestimated geometric/perspective losses, pointing to the need for refined modeling and adaptive algorithms for challenging conditions.</a:t>
+            </a:r>
+          </a:p>
+          <a:p>
+            <a:endParaRPr lang="en-US" sz="2000" dirty="0">
+              <a:latin typeface="Times New Roman" panose="02020603050405020304" pitchFamily="18" charset="0"/>
+              <a:cs typeface="Times New Roman" panose="02020603050405020304" pitchFamily="18" charset="0"/>
+            </a:endParaRPr>
+          </a:p>
+          <a:p>
+            <a:pPr>
+              <a:buFont typeface="Wingdings" panose="05000000000000000000" pitchFamily="2" charset="2"/>
+              <a:buChar char="v"/>
+            </a:pPr>
+            <a:r>
+              <a:rPr lang="en-IN" sz="2000" b="1" dirty="0">
+                <a:latin typeface="Times New Roman" panose="02020603050405020304" pitchFamily="18" charset="0"/>
+                <a:cs typeface="Times New Roman" panose="02020603050405020304" pitchFamily="18" charset="0"/>
+              </a:rPr>
+              <a:t>Reference: </a:t>
+            </a:r>
+            <a:r>
+              <a:rPr lang="en-IN" sz="2000" dirty="0"/>
+              <a:t>G. B. Irani and J. P. Christ, </a:t>
+            </a:r>
+            <a:r>
+              <a:rPr lang="en-IN" sz="2000" i="1" dirty="0"/>
+              <a:t>“Image Processing for Tomahawk Scene Matching,”</a:t>
+            </a:r>
+            <a:r>
+              <a:rPr lang="en-IN" sz="2000" dirty="0"/>
+              <a:t> Johns Hopkins APL Technical Digest, vol. 15, no. 2, pp. 141–155, Apr.–Jun. 1994.</a:t>
+            </a:r>
+            <a:endParaRPr lang="en-IN" sz="2000" b="1" dirty="0">
+              <a:latin typeface="Times New Roman" panose="02020603050405020304" pitchFamily="18" charset="0"/>
+              <a:cs typeface="Times New Roman" panose="02020603050405020304" pitchFamily="18" charset="0"/>
+            </a:endParaRPr>
+          </a:p>
+          <a:p>
+            <a:pPr marL="0" indent="0">
+              <a:buNone/>
+            </a:pPr>
+            <a:r>
+              <a:rPr lang="en-IN" sz="2000" b="1" dirty="0">
+                <a:latin typeface="Times New Roman" panose="02020603050405020304" pitchFamily="18" charset="0"/>
+                <a:cs typeface="Times New Roman" panose="02020603050405020304" pitchFamily="18" charset="0"/>
+              </a:rPr>
+              <a:t>    </a:t>
+            </a:r>
+          </a:p>
+          <a:p>
+            <a:pPr marL="0" indent="0">
+              <a:buNone/>
+            </a:pPr>
+            <a:endParaRPr lang="en-IN" sz="2000" dirty="0">
+              <a:latin typeface="Times New Roman" panose="02020603050405020304" pitchFamily="18" charset="0"/>
+              <a:cs typeface="Times New Roman" panose="02020603050405020304" pitchFamily="18" charset="0"/>
+            </a:endParaRPr>
           </a:p>
         </p:txBody>
       </p:sp>
     </p:spTree>
     <p:extLst>
       <p:ext uri="{BB962C8B-B14F-4D97-AF65-F5344CB8AC3E}">
-        <p14:creationId xmlns:p14="http://schemas.microsoft.com/office/powerpoint/2010/main" val="1365166534"/>
+        <p14:creationId xmlns:p14="http://schemas.microsoft.com/office/powerpoint/2010/main" val="34135761"/>
       </p:ext>
     </p:extLst>
   </p:cSld>
